--- a/bishops/cs321/resources/CS321_Lecture_15D.pptx
+++ b/bishops/cs321/resources/CS321_Lecture_15D.pptx
@@ -128,7 +128,7 @@
   </p:defaultTextStyle>
   <p:extLst>
     <p:ext uri="{EFAFB233-063F-42B5-8137-9DF3F51BA10A}">
-      <p15:sldGuideLst xmlns:p15="http://schemas.microsoft.com/office/powerpoint/2012/main"/>
+      <p15:sldGuideLst xmlns="" xmlns:p15="http://schemas.microsoft.com/office/powerpoint/2012/main"/>
     </p:ext>
   </p:extLst>
 </p:presentation>
@@ -139,7 +139,7 @@
   <p:cmAuthor id="1" name="Gregory" initials="G" lastIdx="1" clrIdx="0">
     <p:extLst>
       <p:ext uri="{19B8F6BF-5375-455C-9EA6-DF929625EA0E}">
-        <p15:presenceInfo xmlns:p15="http://schemas.microsoft.com/office/powerpoint/2012/main" userId="Gregory" providerId="None"/>
+        <p15:presenceInfo xmlns="" xmlns:p15="http://schemas.microsoft.com/office/powerpoint/2012/main" userId="Gregory" providerId="None"/>
       </p:ext>
     </p:extLst>
   </p:cmAuthor>
@@ -228,7 +228,8 @@
           <a:p>
             <a:fld id="{A6583E9D-07AB-4C6D-BFD0-47E805C6B3D4}" type="datetimeFigureOut">
               <a:rPr lang="en-CA" smtClean="0"/>
-              <a:t>2022-03-18</a:t>
+              <a:pPr/>
+              <a:t>2024-03-08</a:t>
             </a:fld>
             <a:endParaRPr lang="en-CA"/>
           </a:p>
@@ -387,6 +388,7 @@
           <a:p>
             <a:fld id="{8F20841C-25C9-4C0C-A7FA-C4A363D14F5A}" type="slidenum">
               <a:rPr lang="en-CA" smtClean="0"/>
+              <a:pPr/>
               <a:t>‹#›</a:t>
             </a:fld>
             <a:endParaRPr lang="en-CA"/>
@@ -396,7 +398,7 @@
     </p:spTree>
     <p:extLst>
       <p:ext uri="{BB962C8B-B14F-4D97-AF65-F5344CB8AC3E}">
-        <p14:creationId xmlns:p14="http://schemas.microsoft.com/office/powerpoint/2010/main" val="4237529172"/>
+        <p14:creationId xmlns="" xmlns:p14="http://schemas.microsoft.com/office/powerpoint/2010/main" val="4237529172"/>
       </p:ext>
     </p:extLst>
   </p:cSld>
@@ -540,14 +542,6 @@
           <a:bodyPr/>
           <a:lstStyle/>
           <a:p>
-            <a:r>
-              <a:rPr lang="en-CA" dirty="0"/>
-              <a:t>Multi-instrument</a:t>
-            </a:r>
-            <a:r>
-              <a:rPr lang="en-CA" baseline="0" dirty="0"/>
-              <a:t> / Multi-instrument Inter-process (minus the)-with Eye Trackers-</a:t>
-            </a:r>
             <a:endParaRPr lang="en-CA" dirty="0"/>
           </a:p>
         </p:txBody>
@@ -569,6 +563,7 @@
           <a:p>
             <a:fld id="{8F20841C-25C9-4C0C-A7FA-C4A363D14F5A}" type="slidenum">
               <a:rPr lang="en-CA" smtClean="0"/>
+              <a:pPr/>
               <a:t>1</a:t>
             </a:fld>
             <a:endParaRPr lang="en-CA"/>
@@ -578,7 +573,7 @@
     </p:spTree>
     <p:extLst>
       <p:ext uri="{BB962C8B-B14F-4D97-AF65-F5344CB8AC3E}">
-        <p14:creationId xmlns:p14="http://schemas.microsoft.com/office/powerpoint/2010/main" val="2340334442"/>
+        <p14:creationId xmlns="" xmlns:p14="http://schemas.microsoft.com/office/powerpoint/2010/main" val="2340334442"/>
       </p:ext>
     </p:extLst>
   </p:cSld>
@@ -772,6 +767,7 @@
           <a:p>
             <a:fld id="{5174927E-2439-42C0-9720-7BBCA09BF46F}" type="slidenum">
               <a:rPr lang="en-CA" smtClean="0"/>
+              <a:pPr/>
               <a:t>‹#›</a:t>
             </a:fld>
             <a:endParaRPr lang="en-CA"/>
@@ -781,7 +777,7 @@
     </p:spTree>
     <p:extLst>
       <p:ext uri="{BB962C8B-B14F-4D97-AF65-F5344CB8AC3E}">
-        <p14:creationId xmlns:p14="http://schemas.microsoft.com/office/powerpoint/2010/main" val="1900560834"/>
+        <p14:creationId xmlns="" xmlns:p14="http://schemas.microsoft.com/office/powerpoint/2010/main" val="1900560834"/>
       </p:ext>
     </p:extLst>
   </p:cSld>
@@ -945,6 +941,7 @@
           <a:p>
             <a:fld id="{5174927E-2439-42C0-9720-7BBCA09BF46F}" type="slidenum">
               <a:rPr lang="en-CA" smtClean="0"/>
+              <a:pPr/>
               <a:t>‹#›</a:t>
             </a:fld>
             <a:endParaRPr lang="en-CA"/>
@@ -954,7 +951,7 @@
     </p:spTree>
     <p:extLst>
       <p:ext uri="{BB962C8B-B14F-4D97-AF65-F5344CB8AC3E}">
-        <p14:creationId xmlns:p14="http://schemas.microsoft.com/office/powerpoint/2010/main" val="3722958745"/>
+        <p14:creationId xmlns="" xmlns:p14="http://schemas.microsoft.com/office/powerpoint/2010/main" val="3722958745"/>
       </p:ext>
     </p:extLst>
   </p:cSld>
@@ -1190,7 +1187,7 @@
     </p:spTree>
     <p:extLst>
       <p:ext uri="{BB962C8B-B14F-4D97-AF65-F5344CB8AC3E}">
-        <p14:creationId xmlns:p14="http://schemas.microsoft.com/office/powerpoint/2010/main" val="1822376042"/>
+        <p14:creationId xmlns="" xmlns:p14="http://schemas.microsoft.com/office/powerpoint/2010/main" val="1822376042"/>
       </p:ext>
     </p:extLst>
   </p:cSld>
@@ -1430,6 +1427,7 @@
           <a:p>
             <a:fld id="{5174927E-2439-42C0-9720-7BBCA09BF46F}" type="slidenum">
               <a:rPr lang="en-CA" smtClean="0"/>
+              <a:pPr/>
               <a:t>‹#›</a:t>
             </a:fld>
             <a:endParaRPr lang="en-CA"/>
@@ -1439,7 +1437,7 @@
     </p:spTree>
     <p:extLst>
       <p:ext uri="{BB962C8B-B14F-4D97-AF65-F5344CB8AC3E}">
-        <p14:creationId xmlns:p14="http://schemas.microsoft.com/office/powerpoint/2010/main" val="3411672561"/>
+        <p14:creationId xmlns="" xmlns:p14="http://schemas.microsoft.com/office/powerpoint/2010/main" val="3411672561"/>
       </p:ext>
     </p:extLst>
   </p:cSld>
@@ -1665,6 +1663,7 @@
           <a:p>
             <a:fld id="{5174927E-2439-42C0-9720-7BBCA09BF46F}" type="slidenum">
               <a:rPr lang="en-CA" smtClean="0"/>
+              <a:pPr/>
               <a:t>‹#›</a:t>
             </a:fld>
             <a:endParaRPr lang="en-CA"/>
@@ -1674,7 +1673,7 @@
     </p:spTree>
     <p:extLst>
       <p:ext uri="{BB962C8B-B14F-4D97-AF65-F5344CB8AC3E}">
-        <p14:creationId xmlns:p14="http://schemas.microsoft.com/office/powerpoint/2010/main" val="1093008526"/>
+        <p14:creationId xmlns="" xmlns:p14="http://schemas.microsoft.com/office/powerpoint/2010/main" val="1093008526"/>
       </p:ext>
     </p:extLst>
   </p:cSld>
@@ -2035,6 +2034,7 @@
           <a:p>
             <a:fld id="{5174927E-2439-42C0-9720-7BBCA09BF46F}" type="slidenum">
               <a:rPr lang="en-CA" smtClean="0"/>
+              <a:pPr/>
               <a:t>‹#›</a:t>
             </a:fld>
             <a:endParaRPr lang="en-CA"/>
@@ -2044,7 +2044,7 @@
     </p:spTree>
     <p:extLst>
       <p:ext uri="{BB962C8B-B14F-4D97-AF65-F5344CB8AC3E}">
-        <p14:creationId xmlns:p14="http://schemas.microsoft.com/office/powerpoint/2010/main" val="1087924878"/>
+        <p14:creationId xmlns="" xmlns:p14="http://schemas.microsoft.com/office/powerpoint/2010/main" val="1087924878"/>
       </p:ext>
     </p:extLst>
   </p:cSld>
@@ -2156,6 +2156,7 @@
           <a:p>
             <a:fld id="{5174927E-2439-42C0-9720-7BBCA09BF46F}" type="slidenum">
               <a:rPr lang="en-CA" smtClean="0"/>
+              <a:pPr/>
               <a:t>‹#›</a:t>
             </a:fld>
             <a:endParaRPr lang="en-CA"/>
@@ -2165,7 +2166,7 @@
     </p:spTree>
     <p:extLst>
       <p:ext uri="{BB962C8B-B14F-4D97-AF65-F5344CB8AC3E}">
-        <p14:creationId xmlns:p14="http://schemas.microsoft.com/office/powerpoint/2010/main" val="3802387408"/>
+        <p14:creationId xmlns="" xmlns:p14="http://schemas.microsoft.com/office/powerpoint/2010/main" val="3802387408"/>
       </p:ext>
     </p:extLst>
   </p:cSld>
@@ -2254,6 +2255,7 @@
           <a:p>
             <a:fld id="{5174927E-2439-42C0-9720-7BBCA09BF46F}" type="slidenum">
               <a:rPr lang="en-CA" smtClean="0"/>
+              <a:pPr/>
               <a:t>‹#›</a:t>
             </a:fld>
             <a:endParaRPr lang="en-CA"/>
@@ -2263,7 +2265,7 @@
     </p:spTree>
     <p:extLst>
       <p:ext uri="{BB962C8B-B14F-4D97-AF65-F5344CB8AC3E}">
-        <p14:creationId xmlns:p14="http://schemas.microsoft.com/office/powerpoint/2010/main" val="4234091411"/>
+        <p14:creationId xmlns="" xmlns:p14="http://schemas.microsoft.com/office/powerpoint/2010/main" val="4234091411"/>
       </p:ext>
     </p:extLst>
   </p:cSld>
@@ -2534,6 +2536,7 @@
           <a:p>
             <a:fld id="{5174927E-2439-42C0-9720-7BBCA09BF46F}" type="slidenum">
               <a:rPr lang="en-CA" smtClean="0"/>
+              <a:pPr/>
               <a:t>‹#›</a:t>
             </a:fld>
             <a:endParaRPr lang="en-CA"/>
@@ -2543,7 +2546,7 @@
     </p:spTree>
     <p:extLst>
       <p:ext uri="{BB962C8B-B14F-4D97-AF65-F5344CB8AC3E}">
-        <p14:creationId xmlns:p14="http://schemas.microsoft.com/office/powerpoint/2010/main" val="4189422420"/>
+        <p14:creationId xmlns="" xmlns:p14="http://schemas.microsoft.com/office/powerpoint/2010/main" val="4189422420"/>
       </p:ext>
     </p:extLst>
   </p:cSld>
@@ -2790,6 +2793,7 @@
           <a:p>
             <a:fld id="{5174927E-2439-42C0-9720-7BBCA09BF46F}" type="slidenum">
               <a:rPr lang="en-CA" smtClean="0"/>
+              <a:pPr/>
               <a:t>‹#›</a:t>
             </a:fld>
             <a:endParaRPr lang="en-CA"/>
@@ -2799,7 +2803,7 @@
     </p:spTree>
     <p:extLst>
       <p:ext uri="{BB962C8B-B14F-4D97-AF65-F5344CB8AC3E}">
-        <p14:creationId xmlns:p14="http://schemas.microsoft.com/office/powerpoint/2010/main" val="3252977898"/>
+        <p14:creationId xmlns="" xmlns:p14="http://schemas.microsoft.com/office/powerpoint/2010/main" val="3252977898"/>
       </p:ext>
     </p:extLst>
   </p:cSld>
@@ -3065,10 +3069,10 @@
           <p:nvPr userDrawn="1"/>
         </p:nvPicPr>
         <p:blipFill>
-          <a:blip r:embed="rId13">
+          <a:blip r:embed="rId13" cstate="print">
             <a:extLst>
               <a:ext uri="{28A0092B-C50C-407E-A947-70E740481C1C}">
-                <a14:useLocalDpi xmlns:a14="http://schemas.microsoft.com/office/drawing/2010/main" val="0"/>
+                <a14:useLocalDpi xmlns="" xmlns:a14="http://schemas.microsoft.com/office/drawing/2010/main" val="0"/>
               </a:ext>
             </a:extLst>
           </a:blip>
@@ -3089,7 +3093,7 @@
     </p:spTree>
     <p:extLst>
       <p:ext uri="{BB962C8B-B14F-4D97-AF65-F5344CB8AC3E}">
-        <p14:creationId xmlns:p14="http://schemas.microsoft.com/office/powerpoint/2010/main" val="4230061028"/>
+        <p14:creationId xmlns="" xmlns:p14="http://schemas.microsoft.com/office/powerpoint/2010/main" val="4230061028"/>
       </p:ext>
     </p:extLst>
   </p:cSld>
@@ -3531,12 +3535,6 @@
             <a:endParaRPr lang="en-CA" baseline="30000" dirty="0"/>
           </a:p>
           <a:p>
-            <a:r>
-              <a:rPr lang="en-CA" dirty="0"/>
-              <a:t>Date: January 31, 2022</a:t>
-            </a:r>
-          </a:p>
-          <a:p>
             <a:endParaRPr lang="en-CA" dirty="0"/>
           </a:p>
         </p:txBody>
@@ -3546,7 +3544,7 @@
           <p:cNvPr id="13" name="Picture 8" descr="http://osiris.ubishops.ca/~alussier/images/transparentlogo_bu.png">
             <a:extLst>
               <a:ext uri="{FF2B5EF4-FFF2-40B4-BE49-F238E27FC236}">
-                <a16:creationId xmlns:a16="http://schemas.microsoft.com/office/drawing/2014/main" id="{CCB9A035-2F1C-4B96-A5DB-70B72D6E4AD8}"/>
+                <a16:creationId xmlns="" xmlns:a16="http://schemas.microsoft.com/office/drawing/2014/main" id="{CCB9A035-2F1C-4B96-A5DB-70B72D6E4AD8}"/>
               </a:ext>
             </a:extLst>
           </p:cNvPr>
@@ -3556,10 +3554,10 @@
           <p:nvPr/>
         </p:nvPicPr>
         <p:blipFill>
-          <a:blip r:embed="rId3">
+          <a:blip r:embed="rId3" cstate="print">
             <a:extLst>
               <a:ext uri="{28A0092B-C50C-407E-A947-70E740481C1C}">
-                <a14:useLocalDpi xmlns:a14="http://schemas.microsoft.com/office/drawing/2010/main" val="0"/>
+                <a14:useLocalDpi xmlns="" xmlns:a14="http://schemas.microsoft.com/office/drawing/2010/main" val="0"/>
               </a:ext>
             </a:extLst>
           </a:blip>
@@ -3579,7 +3577,7 @@
           <a:noFill/>
           <a:extLst>
             <a:ext uri="{909E8E84-426E-40DD-AFC4-6F175D3DCCD1}">
-              <a14:hiddenFill xmlns:a14="http://schemas.microsoft.com/office/drawing/2010/main">
+              <a14:hiddenFill xmlns="" xmlns:a14="http://schemas.microsoft.com/office/drawing/2010/main">
                 <a:solidFill>
                   <a:srgbClr val="FFFFFF"/>
                 </a:solidFill>
@@ -3591,7 +3589,7 @@
     </p:spTree>
     <p:extLst>
       <p:ext uri="{BB962C8B-B14F-4D97-AF65-F5344CB8AC3E}">
-        <p14:creationId xmlns:p14="http://schemas.microsoft.com/office/powerpoint/2010/main" val="4177077622"/>
+        <p14:creationId xmlns="" xmlns:p14="http://schemas.microsoft.com/office/powerpoint/2010/main" val="4177077622"/>
       </p:ext>
     </p:extLst>
   </p:cSld>
@@ -5198,28 +5196,6 @@
       </p:sp>
       <p:sp>
         <p:nvSpPr>
-          <p:cNvPr id="6" name="Date Placeholder 5"/>
-          <p:cNvSpPr>
-            <a:spLocks noGrp="1"/>
-          </p:cNvSpPr>
-          <p:nvPr>
-            <p:ph type="dt" sz="half" idx="2"/>
-          </p:nvPr>
-        </p:nvSpPr>
-        <p:spPr/>
-        <p:txBody>
-          <a:bodyPr/>
-          <a:lstStyle/>
-          <a:p>
-            <a:r>
-              <a:rPr lang="en-CA" dirty="0"/>
-              <a:t>Winter 2022</a:t>
-            </a:r>
-          </a:p>
-        </p:txBody>
-      </p:sp>
-      <p:sp>
-        <p:nvSpPr>
           <p:cNvPr id="10" name="Footer Placeholder 9"/>
           <p:cNvSpPr>
             <a:spLocks noGrp="1"/>
@@ -5272,7 +5248,7 @@
           <p:cNvPr id="15" name="Rectangle 5">
             <a:extLst>
               <a:ext uri="{FF2B5EF4-FFF2-40B4-BE49-F238E27FC236}">
-                <a16:creationId xmlns:a16="http://schemas.microsoft.com/office/drawing/2014/main" id="{BCE3A301-B939-470C-A079-A8C91992E3EF}"/>
+                <a16:creationId xmlns="" xmlns:a16="http://schemas.microsoft.com/office/drawing/2014/main" id="{BCE3A301-B939-470C-A079-A8C91992E3EF}"/>
               </a:ext>
             </a:extLst>
           </p:cNvPr>
@@ -5300,7 +5276,7 @@
           </a:ln>
           <a:extLst>
             <a:ext uri="{909E8E84-426E-40DD-AFC4-6F175D3DCCD1}">
-              <a14:hiddenFill xmlns:a14="http://schemas.microsoft.com/office/drawing/2010/main">
+              <a14:hiddenFill xmlns="" xmlns:a14="http://schemas.microsoft.com/office/drawing/2010/main">
                 <a:solidFill>
                   <a:srgbClr val="FFFFFF"/>
                 </a:solidFill>
@@ -5523,7 +5499,7 @@
           <p:cNvPr id="16" name="Rectangle 6">
             <a:extLst>
               <a:ext uri="{FF2B5EF4-FFF2-40B4-BE49-F238E27FC236}">
-                <a16:creationId xmlns:a16="http://schemas.microsoft.com/office/drawing/2014/main" id="{937D7859-8244-4185-88AC-FC9F22CED024}"/>
+                <a16:creationId xmlns="" xmlns:a16="http://schemas.microsoft.com/office/drawing/2014/main" id="{937D7859-8244-4185-88AC-FC9F22CED024}"/>
               </a:ext>
             </a:extLst>
           </p:cNvPr>
@@ -5546,14 +5522,14 @@
           </a:ln>
           <a:extLst>
             <a:ext uri="{909E8E84-426E-40DD-AFC4-6F175D3DCCD1}">
-              <a14:hiddenFill xmlns:a14="http://schemas.microsoft.com/office/drawing/2010/main">
+              <a14:hiddenFill xmlns="" xmlns:a14="http://schemas.microsoft.com/office/drawing/2010/main">
                 <a:solidFill>
                   <a:srgbClr val="FFFFFF"/>
                 </a:solidFill>
               </a14:hiddenFill>
             </a:ext>
             <a:ext uri="{91240B29-F687-4F45-9708-019B960494DF}">
-              <a14:hiddenLine xmlns:a14="http://schemas.microsoft.com/office/drawing/2010/main" w="9525">
+              <a14:hiddenLine xmlns="" xmlns:a14="http://schemas.microsoft.com/office/drawing/2010/main" w="9525">
                 <a:solidFill>
                   <a:srgbClr val="000000"/>
                 </a:solidFill>
@@ -5718,7 +5694,7 @@
           <p:cNvPr id="17" name="Line 7">
             <a:extLst>
               <a:ext uri="{FF2B5EF4-FFF2-40B4-BE49-F238E27FC236}">
-                <a16:creationId xmlns:a16="http://schemas.microsoft.com/office/drawing/2014/main" id="{14384493-66FD-4703-B9B2-E47F729A081A}"/>
+                <a16:creationId xmlns="" xmlns:a16="http://schemas.microsoft.com/office/drawing/2014/main" id="{14384493-66FD-4703-B9B2-E47F729A081A}"/>
               </a:ext>
             </a:extLst>
           </p:cNvPr>
@@ -5746,7 +5722,7 @@
           </a:ln>
           <a:extLst>
             <a:ext uri="{909E8E84-426E-40DD-AFC4-6F175D3DCCD1}">
-              <a14:hiddenFill xmlns:a14="http://schemas.microsoft.com/office/drawing/2010/main">
+              <a14:hiddenFill xmlns="" xmlns:a14="http://schemas.microsoft.com/office/drawing/2010/main">
                 <a:noFill/>
               </a14:hiddenFill>
             </a:ext>
@@ -5763,7 +5739,7 @@
     </p:spTree>
     <p:extLst>
       <p:ext uri="{BB962C8B-B14F-4D97-AF65-F5344CB8AC3E}">
-        <p14:creationId xmlns:p14="http://schemas.microsoft.com/office/powerpoint/2010/main" val="1259637409"/>
+        <p14:creationId xmlns="" xmlns:p14="http://schemas.microsoft.com/office/powerpoint/2010/main" val="1259637409"/>
       </p:ext>
     </p:extLst>
   </p:cSld>
@@ -6064,28 +6040,6 @@
       </p:sp>
       <p:sp>
         <p:nvSpPr>
-          <p:cNvPr id="6" name="Date Placeholder 5"/>
-          <p:cNvSpPr>
-            <a:spLocks noGrp="1"/>
-          </p:cNvSpPr>
-          <p:nvPr>
-            <p:ph type="dt" sz="half" idx="2"/>
-          </p:nvPr>
-        </p:nvSpPr>
-        <p:spPr/>
-        <p:txBody>
-          <a:bodyPr/>
-          <a:lstStyle/>
-          <a:p>
-            <a:r>
-              <a:rPr lang="en-CA" dirty="0"/>
-              <a:t>Winter 2022</a:t>
-            </a:r>
-          </a:p>
-        </p:txBody>
-      </p:sp>
-      <p:sp>
-        <p:nvSpPr>
           <p:cNvPr id="10" name="Footer Placeholder 9"/>
           <p:cNvSpPr>
             <a:spLocks noGrp="1"/>
@@ -6138,7 +6092,7 @@
           <p:cNvPr id="7" name="Picture 6">
             <a:extLst>
               <a:ext uri="{FF2B5EF4-FFF2-40B4-BE49-F238E27FC236}">
-                <a16:creationId xmlns:a16="http://schemas.microsoft.com/office/drawing/2014/main" id="{51E55E3C-9EBA-44DE-81BC-7AC1594719E5}"/>
+                <a16:creationId xmlns="" xmlns:a16="http://schemas.microsoft.com/office/drawing/2014/main" id="{51E55E3C-9EBA-44DE-81BC-7AC1594719E5}"/>
               </a:ext>
             </a:extLst>
           </p:cNvPr>
@@ -6151,7 +6105,7 @@
           <a:blip r:embed="rId2">
             <a:extLst>
               <a:ext uri="{28A0092B-C50C-407E-A947-70E740481C1C}">
-                <a14:useLocalDpi xmlns:a14="http://schemas.microsoft.com/office/drawing/2010/main" val="0"/>
+                <a14:useLocalDpi xmlns="" xmlns:a14="http://schemas.microsoft.com/office/drawing/2010/main" val="0"/>
               </a:ext>
             </a:extLst>
           </a:blip>
@@ -6174,7 +6128,7 @@
     </p:spTree>
     <p:extLst>
       <p:ext uri="{BB962C8B-B14F-4D97-AF65-F5344CB8AC3E}">
-        <p14:creationId xmlns:p14="http://schemas.microsoft.com/office/powerpoint/2010/main" val="2900158665"/>
+        <p14:creationId xmlns="" xmlns:p14="http://schemas.microsoft.com/office/powerpoint/2010/main" val="2900158665"/>
       </p:ext>
     </p:extLst>
   </p:cSld>
@@ -7852,28 +7806,6 @@
       </p:sp>
       <p:sp>
         <p:nvSpPr>
-          <p:cNvPr id="6" name="Date Placeholder 5"/>
-          <p:cNvSpPr>
-            <a:spLocks noGrp="1"/>
-          </p:cNvSpPr>
-          <p:nvPr>
-            <p:ph type="dt" sz="half" idx="2"/>
-          </p:nvPr>
-        </p:nvSpPr>
-        <p:spPr/>
-        <p:txBody>
-          <a:bodyPr/>
-          <a:lstStyle/>
-          <a:p>
-            <a:r>
-              <a:rPr lang="en-CA" dirty="0"/>
-              <a:t>Winter 2022</a:t>
-            </a:r>
-          </a:p>
-        </p:txBody>
-      </p:sp>
-      <p:sp>
-        <p:nvSpPr>
           <p:cNvPr id="10" name="Footer Placeholder 9"/>
           <p:cNvSpPr>
             <a:spLocks noGrp="1"/>
@@ -7926,7 +7858,7 @@
           <p:cNvPr id="8" name="Rectangle 7">
             <a:extLst>
               <a:ext uri="{FF2B5EF4-FFF2-40B4-BE49-F238E27FC236}">
-                <a16:creationId xmlns:a16="http://schemas.microsoft.com/office/drawing/2014/main" id="{167926A5-F263-44F6-926E-5FC77B5AD600}"/>
+                <a16:creationId xmlns="" xmlns:a16="http://schemas.microsoft.com/office/drawing/2014/main" id="{167926A5-F263-44F6-926E-5FC77B5AD600}"/>
               </a:ext>
             </a:extLst>
           </p:cNvPr>
@@ -7954,7 +7886,7 @@
           </a:ln>
           <a:extLst>
             <a:ext uri="{909E8E84-426E-40DD-AFC4-6F175D3DCCD1}">
-              <a14:hiddenFill xmlns:a14="http://schemas.microsoft.com/office/drawing/2010/main">
+              <a14:hiddenFill xmlns="" xmlns:a14="http://schemas.microsoft.com/office/drawing/2010/main">
                 <a:solidFill>
                   <a:srgbClr val="FFFFFF"/>
                 </a:solidFill>
@@ -8169,7 +8101,7 @@
     </p:spTree>
     <p:extLst>
       <p:ext uri="{BB962C8B-B14F-4D97-AF65-F5344CB8AC3E}">
-        <p14:creationId xmlns:p14="http://schemas.microsoft.com/office/powerpoint/2010/main" val="2755639704"/>
+        <p14:creationId xmlns="" xmlns:p14="http://schemas.microsoft.com/office/powerpoint/2010/main" val="2755639704"/>
       </p:ext>
     </p:extLst>
   </p:cSld>
@@ -8627,28 +8559,6 @@
       </p:sp>
       <p:sp>
         <p:nvSpPr>
-          <p:cNvPr id="6" name="Date Placeholder 5"/>
-          <p:cNvSpPr>
-            <a:spLocks noGrp="1"/>
-          </p:cNvSpPr>
-          <p:nvPr>
-            <p:ph type="dt" sz="half" idx="2"/>
-          </p:nvPr>
-        </p:nvSpPr>
-        <p:spPr/>
-        <p:txBody>
-          <a:bodyPr/>
-          <a:lstStyle/>
-          <a:p>
-            <a:r>
-              <a:rPr lang="en-CA" dirty="0"/>
-              <a:t>Winter 2022</a:t>
-            </a:r>
-          </a:p>
-        </p:txBody>
-      </p:sp>
-      <p:sp>
-        <p:nvSpPr>
           <p:cNvPr id="10" name="Footer Placeholder 9"/>
           <p:cNvSpPr>
             <a:spLocks noGrp="1"/>
@@ -8699,7 +8609,7 @@
     </p:spTree>
     <p:extLst>
       <p:ext uri="{BB962C8B-B14F-4D97-AF65-F5344CB8AC3E}">
-        <p14:creationId xmlns:p14="http://schemas.microsoft.com/office/powerpoint/2010/main" val="3646560229"/>
+        <p14:creationId xmlns="" xmlns:p14="http://schemas.microsoft.com/office/powerpoint/2010/main" val="3646560229"/>
       </p:ext>
     </p:extLst>
   </p:cSld>
@@ -9690,28 +9600,6 @@
       </p:sp>
       <p:sp>
         <p:nvSpPr>
-          <p:cNvPr id="6" name="Date Placeholder 5"/>
-          <p:cNvSpPr>
-            <a:spLocks noGrp="1"/>
-          </p:cNvSpPr>
-          <p:nvPr>
-            <p:ph type="dt" sz="half" idx="2"/>
-          </p:nvPr>
-        </p:nvSpPr>
-        <p:spPr/>
-        <p:txBody>
-          <a:bodyPr/>
-          <a:lstStyle/>
-          <a:p>
-            <a:r>
-              <a:rPr lang="en-CA" dirty="0"/>
-              <a:t>Winter 2022</a:t>
-            </a:r>
-          </a:p>
-        </p:txBody>
-      </p:sp>
-      <p:sp>
-        <p:nvSpPr>
           <p:cNvPr id="10" name="Footer Placeholder 9"/>
           <p:cNvSpPr>
             <a:spLocks noGrp="1"/>
@@ -9762,7 +9650,7 @@
     </p:spTree>
     <p:extLst>
       <p:ext uri="{BB962C8B-B14F-4D97-AF65-F5344CB8AC3E}">
-        <p14:creationId xmlns:p14="http://schemas.microsoft.com/office/powerpoint/2010/main" val="1075990626"/>
+        <p14:creationId xmlns="" xmlns:p14="http://schemas.microsoft.com/office/powerpoint/2010/main" val="1075990626"/>
       </p:ext>
     </p:extLst>
   </p:cSld>
@@ -10003,28 +9891,6 @@
       </p:sp>
       <p:sp>
         <p:nvSpPr>
-          <p:cNvPr id="6" name="Date Placeholder 5"/>
-          <p:cNvSpPr>
-            <a:spLocks noGrp="1"/>
-          </p:cNvSpPr>
-          <p:nvPr>
-            <p:ph type="dt" sz="half" idx="2"/>
-          </p:nvPr>
-        </p:nvSpPr>
-        <p:spPr/>
-        <p:txBody>
-          <a:bodyPr/>
-          <a:lstStyle/>
-          <a:p>
-            <a:r>
-              <a:rPr lang="en-CA" dirty="0"/>
-              <a:t>Winter 2022</a:t>
-            </a:r>
-          </a:p>
-        </p:txBody>
-      </p:sp>
-      <p:sp>
-        <p:nvSpPr>
           <p:cNvPr id="10" name="Footer Placeholder 9"/>
           <p:cNvSpPr>
             <a:spLocks noGrp="1"/>
@@ -10075,7 +9941,7 @@
     </p:spTree>
     <p:extLst>
       <p:ext uri="{BB962C8B-B14F-4D97-AF65-F5344CB8AC3E}">
-        <p14:creationId xmlns:p14="http://schemas.microsoft.com/office/powerpoint/2010/main" val="1619328444"/>
+        <p14:creationId xmlns="" xmlns:p14="http://schemas.microsoft.com/office/powerpoint/2010/main" val="1619328444"/>
       </p:ext>
     </p:extLst>
   </p:cSld>
@@ -11240,28 +11106,6 @@
       </p:sp>
       <p:sp>
         <p:nvSpPr>
-          <p:cNvPr id="6" name="Date Placeholder 5"/>
-          <p:cNvSpPr>
-            <a:spLocks noGrp="1"/>
-          </p:cNvSpPr>
-          <p:nvPr>
-            <p:ph type="dt" sz="half" idx="2"/>
-          </p:nvPr>
-        </p:nvSpPr>
-        <p:spPr/>
-        <p:txBody>
-          <a:bodyPr/>
-          <a:lstStyle/>
-          <a:p>
-            <a:r>
-              <a:rPr lang="en-CA" dirty="0"/>
-              <a:t>Winter 2022</a:t>
-            </a:r>
-          </a:p>
-        </p:txBody>
-      </p:sp>
-      <p:sp>
-        <p:nvSpPr>
           <p:cNvPr id="10" name="Footer Placeholder 9"/>
           <p:cNvSpPr>
             <a:spLocks noGrp="1"/>
@@ -11314,7 +11158,7 @@
           <p:cNvPr id="7" name="Line 4">
             <a:extLst>
               <a:ext uri="{FF2B5EF4-FFF2-40B4-BE49-F238E27FC236}">
-                <a16:creationId xmlns:a16="http://schemas.microsoft.com/office/drawing/2014/main" id="{BC0CF8BF-BC95-46DC-BECD-1B32617D0B4C}"/>
+                <a16:creationId xmlns="" xmlns:a16="http://schemas.microsoft.com/office/drawing/2014/main" id="{BC0CF8BF-BC95-46DC-BECD-1B32617D0B4C}"/>
               </a:ext>
             </a:extLst>
           </p:cNvPr>
@@ -11342,7 +11186,7 @@
           </a:ln>
           <a:extLst>
             <a:ext uri="{909E8E84-426E-40DD-AFC4-6F175D3DCCD1}">
-              <a14:hiddenFill xmlns:a14="http://schemas.microsoft.com/office/drawing/2010/main">
+              <a14:hiddenFill xmlns="" xmlns:a14="http://schemas.microsoft.com/office/drawing/2010/main">
                 <a:noFill/>
               </a14:hiddenFill>
             </a:ext>
@@ -11361,7 +11205,7 @@
           <p:cNvPr id="8" name="Text Box 5">
             <a:extLst>
               <a:ext uri="{FF2B5EF4-FFF2-40B4-BE49-F238E27FC236}">
-                <a16:creationId xmlns:a16="http://schemas.microsoft.com/office/drawing/2014/main" id="{9B0EB633-0D8A-479E-BBA2-8F7FAC3E730D}"/>
+                <a16:creationId xmlns="" xmlns:a16="http://schemas.microsoft.com/office/drawing/2014/main" id="{9B0EB633-0D8A-479E-BBA2-8F7FAC3E730D}"/>
               </a:ext>
             </a:extLst>
           </p:cNvPr>
@@ -11384,14 +11228,14 @@
           </a:ln>
           <a:extLst>
             <a:ext uri="{909E8E84-426E-40DD-AFC4-6F175D3DCCD1}">
-              <a14:hiddenFill xmlns:a14="http://schemas.microsoft.com/office/drawing/2010/main">
+              <a14:hiddenFill xmlns="" xmlns:a14="http://schemas.microsoft.com/office/drawing/2010/main">
                 <a:solidFill>
                   <a:srgbClr val="FFFFFF"/>
                 </a:solidFill>
               </a14:hiddenFill>
             </a:ext>
             <a:ext uri="{91240B29-F687-4F45-9708-019B960494DF}">
-              <a14:hiddenLine xmlns:a14="http://schemas.microsoft.com/office/drawing/2010/main" w="12700" cap="sq">
+              <a14:hiddenLine xmlns="" xmlns:a14="http://schemas.microsoft.com/office/drawing/2010/main" w="12700" cap="sq">
                 <a:solidFill>
                   <a:srgbClr val="000000"/>
                 </a:solidFill>
@@ -11528,7 +11372,7 @@
           <p:cNvPr id="9" name="Line 6">
             <a:extLst>
               <a:ext uri="{FF2B5EF4-FFF2-40B4-BE49-F238E27FC236}">
-                <a16:creationId xmlns:a16="http://schemas.microsoft.com/office/drawing/2014/main" id="{7F244300-1294-471D-B3B1-615E851483B4}"/>
+                <a16:creationId xmlns="" xmlns:a16="http://schemas.microsoft.com/office/drawing/2014/main" id="{7F244300-1294-471D-B3B1-615E851483B4}"/>
               </a:ext>
             </a:extLst>
           </p:cNvPr>
@@ -11556,7 +11400,7 @@
           </a:ln>
           <a:extLst>
             <a:ext uri="{909E8E84-426E-40DD-AFC4-6F175D3DCCD1}">
-              <a14:hiddenFill xmlns:a14="http://schemas.microsoft.com/office/drawing/2010/main">
+              <a14:hiddenFill xmlns="" xmlns:a14="http://schemas.microsoft.com/office/drawing/2010/main">
                 <a:noFill/>
               </a14:hiddenFill>
             </a:ext>
@@ -11575,7 +11419,7 @@
           <p:cNvPr id="11" name="Line 7">
             <a:extLst>
               <a:ext uri="{FF2B5EF4-FFF2-40B4-BE49-F238E27FC236}">
-                <a16:creationId xmlns:a16="http://schemas.microsoft.com/office/drawing/2014/main" id="{240A3993-D820-48A8-9914-EF06B0B6ECC7}"/>
+                <a16:creationId xmlns="" xmlns:a16="http://schemas.microsoft.com/office/drawing/2014/main" id="{240A3993-D820-48A8-9914-EF06B0B6ECC7}"/>
               </a:ext>
             </a:extLst>
           </p:cNvPr>
@@ -11603,7 +11447,7 @@
           </a:ln>
           <a:extLst>
             <a:ext uri="{909E8E84-426E-40DD-AFC4-6F175D3DCCD1}">
-              <a14:hiddenFill xmlns:a14="http://schemas.microsoft.com/office/drawing/2010/main">
+              <a14:hiddenFill xmlns="" xmlns:a14="http://schemas.microsoft.com/office/drawing/2010/main">
                 <a:noFill/>
               </a14:hiddenFill>
             </a:ext>
@@ -11620,7 +11464,7 @@
     </p:spTree>
     <p:extLst>
       <p:ext uri="{BB962C8B-B14F-4D97-AF65-F5344CB8AC3E}">
-        <p14:creationId xmlns:p14="http://schemas.microsoft.com/office/powerpoint/2010/main" val="2558504939"/>
+        <p14:creationId xmlns="" xmlns:p14="http://schemas.microsoft.com/office/powerpoint/2010/main" val="2558504939"/>
       </p:ext>
     </p:extLst>
   </p:cSld>
@@ -12216,28 +12060,6 @@
       </p:sp>
       <p:sp>
         <p:nvSpPr>
-          <p:cNvPr id="6" name="Date Placeholder 5"/>
-          <p:cNvSpPr>
-            <a:spLocks noGrp="1"/>
-          </p:cNvSpPr>
-          <p:nvPr>
-            <p:ph type="dt" sz="half" idx="2"/>
-          </p:nvPr>
-        </p:nvSpPr>
-        <p:spPr/>
-        <p:txBody>
-          <a:bodyPr/>
-          <a:lstStyle/>
-          <a:p>
-            <a:r>
-              <a:rPr lang="en-CA" dirty="0"/>
-              <a:t>Winter 2022</a:t>
-            </a:r>
-          </a:p>
-        </p:txBody>
-      </p:sp>
-      <p:sp>
-        <p:nvSpPr>
           <p:cNvPr id="10" name="Footer Placeholder 9"/>
           <p:cNvSpPr>
             <a:spLocks noGrp="1"/>
@@ -12290,7 +12112,7 @@
           <p:cNvPr id="7" name="Line 4">
             <a:extLst>
               <a:ext uri="{FF2B5EF4-FFF2-40B4-BE49-F238E27FC236}">
-                <a16:creationId xmlns:a16="http://schemas.microsoft.com/office/drawing/2014/main" id="{BC0CF8BF-BC95-46DC-BECD-1B32617D0B4C}"/>
+                <a16:creationId xmlns="" xmlns:a16="http://schemas.microsoft.com/office/drawing/2014/main" id="{BC0CF8BF-BC95-46DC-BECD-1B32617D0B4C}"/>
               </a:ext>
             </a:extLst>
           </p:cNvPr>
@@ -12318,7 +12140,7 @@
           </a:ln>
           <a:extLst>
             <a:ext uri="{909E8E84-426E-40DD-AFC4-6F175D3DCCD1}">
-              <a14:hiddenFill xmlns:a14="http://schemas.microsoft.com/office/drawing/2010/main">
+              <a14:hiddenFill xmlns="" xmlns:a14="http://schemas.microsoft.com/office/drawing/2010/main">
                 <a:noFill/>
               </a14:hiddenFill>
             </a:ext>
@@ -12337,7 +12159,7 @@
           <p:cNvPr id="8" name="Text Box 5">
             <a:extLst>
               <a:ext uri="{FF2B5EF4-FFF2-40B4-BE49-F238E27FC236}">
-                <a16:creationId xmlns:a16="http://schemas.microsoft.com/office/drawing/2014/main" id="{9B0EB633-0D8A-479E-BBA2-8F7FAC3E730D}"/>
+                <a16:creationId xmlns="" xmlns:a16="http://schemas.microsoft.com/office/drawing/2014/main" id="{9B0EB633-0D8A-479E-BBA2-8F7FAC3E730D}"/>
               </a:ext>
             </a:extLst>
           </p:cNvPr>
@@ -12360,14 +12182,14 @@
           </a:ln>
           <a:extLst>
             <a:ext uri="{909E8E84-426E-40DD-AFC4-6F175D3DCCD1}">
-              <a14:hiddenFill xmlns:a14="http://schemas.microsoft.com/office/drawing/2010/main">
+              <a14:hiddenFill xmlns="" xmlns:a14="http://schemas.microsoft.com/office/drawing/2010/main">
                 <a:solidFill>
                   <a:srgbClr val="FFFFFF"/>
                 </a:solidFill>
               </a14:hiddenFill>
             </a:ext>
             <a:ext uri="{91240B29-F687-4F45-9708-019B960494DF}">
-              <a14:hiddenLine xmlns:a14="http://schemas.microsoft.com/office/drawing/2010/main" w="12700" cap="sq">
+              <a14:hiddenLine xmlns="" xmlns:a14="http://schemas.microsoft.com/office/drawing/2010/main" w="12700" cap="sq">
                 <a:solidFill>
                   <a:srgbClr val="000000"/>
                 </a:solidFill>
@@ -12504,7 +12326,7 @@
           <p:cNvPr id="9" name="Line 6">
             <a:extLst>
               <a:ext uri="{FF2B5EF4-FFF2-40B4-BE49-F238E27FC236}">
-                <a16:creationId xmlns:a16="http://schemas.microsoft.com/office/drawing/2014/main" id="{7F244300-1294-471D-B3B1-615E851483B4}"/>
+                <a16:creationId xmlns="" xmlns:a16="http://schemas.microsoft.com/office/drawing/2014/main" id="{7F244300-1294-471D-B3B1-615E851483B4}"/>
               </a:ext>
             </a:extLst>
           </p:cNvPr>
@@ -12532,7 +12354,7 @@
           </a:ln>
           <a:extLst>
             <a:ext uri="{909E8E84-426E-40DD-AFC4-6F175D3DCCD1}">
-              <a14:hiddenFill xmlns:a14="http://schemas.microsoft.com/office/drawing/2010/main">
+              <a14:hiddenFill xmlns="" xmlns:a14="http://schemas.microsoft.com/office/drawing/2010/main">
                 <a:noFill/>
               </a14:hiddenFill>
             </a:ext>
@@ -12551,7 +12373,7 @@
           <p:cNvPr id="11" name="Line 7">
             <a:extLst>
               <a:ext uri="{FF2B5EF4-FFF2-40B4-BE49-F238E27FC236}">
-                <a16:creationId xmlns:a16="http://schemas.microsoft.com/office/drawing/2014/main" id="{240A3993-D820-48A8-9914-EF06B0B6ECC7}"/>
+                <a16:creationId xmlns="" xmlns:a16="http://schemas.microsoft.com/office/drawing/2014/main" id="{240A3993-D820-48A8-9914-EF06B0B6ECC7}"/>
               </a:ext>
             </a:extLst>
           </p:cNvPr>
@@ -12579,7 +12401,7 @@
           </a:ln>
           <a:extLst>
             <a:ext uri="{909E8E84-426E-40DD-AFC4-6F175D3DCCD1}">
-              <a14:hiddenFill xmlns:a14="http://schemas.microsoft.com/office/drawing/2010/main">
+              <a14:hiddenFill xmlns="" xmlns:a14="http://schemas.microsoft.com/office/drawing/2010/main">
                 <a:noFill/>
               </a14:hiddenFill>
             </a:ext>
@@ -12596,7 +12418,7 @@
     </p:spTree>
     <p:extLst>
       <p:ext uri="{BB962C8B-B14F-4D97-AF65-F5344CB8AC3E}">
-        <p14:creationId xmlns:p14="http://schemas.microsoft.com/office/powerpoint/2010/main" val="2046297229"/>
+        <p14:creationId xmlns="" xmlns:p14="http://schemas.microsoft.com/office/powerpoint/2010/main" val="2046297229"/>
       </p:ext>
     </p:extLst>
   </p:cSld>
@@ -13439,28 +13261,6 @@
       </p:sp>
       <p:sp>
         <p:nvSpPr>
-          <p:cNvPr id="6" name="Date Placeholder 5"/>
-          <p:cNvSpPr>
-            <a:spLocks noGrp="1"/>
-          </p:cNvSpPr>
-          <p:nvPr>
-            <p:ph type="dt" sz="half" idx="2"/>
-          </p:nvPr>
-        </p:nvSpPr>
-        <p:spPr/>
-        <p:txBody>
-          <a:bodyPr/>
-          <a:lstStyle/>
-          <a:p>
-            <a:r>
-              <a:rPr lang="en-CA" dirty="0"/>
-              <a:t>Winter 2022</a:t>
-            </a:r>
-          </a:p>
-        </p:txBody>
-      </p:sp>
-      <p:sp>
-        <p:nvSpPr>
           <p:cNvPr id="10" name="Footer Placeholder 9"/>
           <p:cNvSpPr>
             <a:spLocks noGrp="1"/>
@@ -13513,7 +13313,7 @@
           <p:cNvPr id="7" name="Line 4">
             <a:extLst>
               <a:ext uri="{FF2B5EF4-FFF2-40B4-BE49-F238E27FC236}">
-                <a16:creationId xmlns:a16="http://schemas.microsoft.com/office/drawing/2014/main" id="{BC0CF8BF-BC95-46DC-BECD-1B32617D0B4C}"/>
+                <a16:creationId xmlns="" xmlns:a16="http://schemas.microsoft.com/office/drawing/2014/main" id="{BC0CF8BF-BC95-46DC-BECD-1B32617D0B4C}"/>
               </a:ext>
             </a:extLst>
           </p:cNvPr>
@@ -13541,7 +13341,7 @@
           </a:ln>
           <a:extLst>
             <a:ext uri="{909E8E84-426E-40DD-AFC4-6F175D3DCCD1}">
-              <a14:hiddenFill xmlns:a14="http://schemas.microsoft.com/office/drawing/2010/main">
+              <a14:hiddenFill xmlns="" xmlns:a14="http://schemas.microsoft.com/office/drawing/2010/main">
                 <a:noFill/>
               </a14:hiddenFill>
             </a:ext>
@@ -13560,7 +13360,7 @@
           <p:cNvPr id="8" name="Text Box 5">
             <a:extLst>
               <a:ext uri="{FF2B5EF4-FFF2-40B4-BE49-F238E27FC236}">
-                <a16:creationId xmlns:a16="http://schemas.microsoft.com/office/drawing/2014/main" id="{9B0EB633-0D8A-479E-BBA2-8F7FAC3E730D}"/>
+                <a16:creationId xmlns="" xmlns:a16="http://schemas.microsoft.com/office/drawing/2014/main" id="{9B0EB633-0D8A-479E-BBA2-8F7FAC3E730D}"/>
               </a:ext>
             </a:extLst>
           </p:cNvPr>
@@ -13583,14 +13383,14 @@
           </a:ln>
           <a:extLst>
             <a:ext uri="{909E8E84-426E-40DD-AFC4-6F175D3DCCD1}">
-              <a14:hiddenFill xmlns:a14="http://schemas.microsoft.com/office/drawing/2010/main">
+              <a14:hiddenFill xmlns="" xmlns:a14="http://schemas.microsoft.com/office/drawing/2010/main">
                 <a:solidFill>
                   <a:srgbClr val="FFFFFF"/>
                 </a:solidFill>
               </a14:hiddenFill>
             </a:ext>
             <a:ext uri="{91240B29-F687-4F45-9708-019B960494DF}">
-              <a14:hiddenLine xmlns:a14="http://schemas.microsoft.com/office/drawing/2010/main" w="12700" cap="sq">
+              <a14:hiddenLine xmlns="" xmlns:a14="http://schemas.microsoft.com/office/drawing/2010/main" w="12700" cap="sq">
                 <a:solidFill>
                   <a:srgbClr val="000000"/>
                 </a:solidFill>
@@ -13727,7 +13527,7 @@
           <p:cNvPr id="9" name="Line 6">
             <a:extLst>
               <a:ext uri="{FF2B5EF4-FFF2-40B4-BE49-F238E27FC236}">
-                <a16:creationId xmlns:a16="http://schemas.microsoft.com/office/drawing/2014/main" id="{7F244300-1294-471D-B3B1-615E851483B4}"/>
+                <a16:creationId xmlns="" xmlns:a16="http://schemas.microsoft.com/office/drawing/2014/main" id="{7F244300-1294-471D-B3B1-615E851483B4}"/>
               </a:ext>
             </a:extLst>
           </p:cNvPr>
@@ -13755,7 +13555,7 @@
           </a:ln>
           <a:extLst>
             <a:ext uri="{909E8E84-426E-40DD-AFC4-6F175D3DCCD1}">
-              <a14:hiddenFill xmlns:a14="http://schemas.microsoft.com/office/drawing/2010/main">
+              <a14:hiddenFill xmlns="" xmlns:a14="http://schemas.microsoft.com/office/drawing/2010/main">
                 <a:noFill/>
               </a14:hiddenFill>
             </a:ext>
@@ -13774,7 +13574,7 @@
           <p:cNvPr id="11" name="Line 7">
             <a:extLst>
               <a:ext uri="{FF2B5EF4-FFF2-40B4-BE49-F238E27FC236}">
-                <a16:creationId xmlns:a16="http://schemas.microsoft.com/office/drawing/2014/main" id="{240A3993-D820-48A8-9914-EF06B0B6ECC7}"/>
+                <a16:creationId xmlns="" xmlns:a16="http://schemas.microsoft.com/office/drawing/2014/main" id="{240A3993-D820-48A8-9914-EF06B0B6ECC7}"/>
               </a:ext>
             </a:extLst>
           </p:cNvPr>
@@ -13802,7 +13602,7 @@
           </a:ln>
           <a:extLst>
             <a:ext uri="{909E8E84-426E-40DD-AFC4-6F175D3DCCD1}">
-              <a14:hiddenFill xmlns:a14="http://schemas.microsoft.com/office/drawing/2010/main">
+              <a14:hiddenFill xmlns="" xmlns:a14="http://schemas.microsoft.com/office/drawing/2010/main">
                 <a:noFill/>
               </a14:hiddenFill>
             </a:ext>
@@ -13819,7 +13619,7 @@
     </p:spTree>
     <p:extLst>
       <p:ext uri="{BB962C8B-B14F-4D97-AF65-F5344CB8AC3E}">
-        <p14:creationId xmlns:p14="http://schemas.microsoft.com/office/powerpoint/2010/main" val="3364538797"/>
+        <p14:creationId xmlns="" xmlns:p14="http://schemas.microsoft.com/office/powerpoint/2010/main" val="3364538797"/>
       </p:ext>
     </p:extLst>
   </p:cSld>
@@ -14894,28 +14694,6 @@
       </p:sp>
       <p:sp>
         <p:nvSpPr>
-          <p:cNvPr id="6" name="Date Placeholder 5"/>
-          <p:cNvSpPr>
-            <a:spLocks noGrp="1"/>
-          </p:cNvSpPr>
-          <p:nvPr>
-            <p:ph type="dt" sz="half" idx="2"/>
-          </p:nvPr>
-        </p:nvSpPr>
-        <p:spPr/>
-        <p:txBody>
-          <a:bodyPr/>
-          <a:lstStyle/>
-          <a:p>
-            <a:r>
-              <a:rPr lang="en-CA" dirty="0"/>
-              <a:t>Winter 2022</a:t>
-            </a:r>
-          </a:p>
-        </p:txBody>
-      </p:sp>
-      <p:sp>
-        <p:nvSpPr>
           <p:cNvPr id="10" name="Footer Placeholder 9"/>
           <p:cNvSpPr>
             <a:spLocks noGrp="1"/>
@@ -14968,7 +14746,7 @@
           <p:cNvPr id="7" name="Line 4">
             <a:extLst>
               <a:ext uri="{FF2B5EF4-FFF2-40B4-BE49-F238E27FC236}">
-                <a16:creationId xmlns:a16="http://schemas.microsoft.com/office/drawing/2014/main" id="{BC0CF8BF-BC95-46DC-BECD-1B32617D0B4C}"/>
+                <a16:creationId xmlns="" xmlns:a16="http://schemas.microsoft.com/office/drawing/2014/main" id="{BC0CF8BF-BC95-46DC-BECD-1B32617D0B4C}"/>
               </a:ext>
             </a:extLst>
           </p:cNvPr>
@@ -14996,7 +14774,7 @@
           </a:ln>
           <a:extLst>
             <a:ext uri="{909E8E84-426E-40DD-AFC4-6F175D3DCCD1}">
-              <a14:hiddenFill xmlns:a14="http://schemas.microsoft.com/office/drawing/2010/main">
+              <a14:hiddenFill xmlns="" xmlns:a14="http://schemas.microsoft.com/office/drawing/2010/main">
                 <a:noFill/>
               </a14:hiddenFill>
             </a:ext>
@@ -15015,7 +14793,7 @@
           <p:cNvPr id="8" name="Text Box 5">
             <a:extLst>
               <a:ext uri="{FF2B5EF4-FFF2-40B4-BE49-F238E27FC236}">
-                <a16:creationId xmlns:a16="http://schemas.microsoft.com/office/drawing/2014/main" id="{9B0EB633-0D8A-479E-BBA2-8F7FAC3E730D}"/>
+                <a16:creationId xmlns="" xmlns:a16="http://schemas.microsoft.com/office/drawing/2014/main" id="{9B0EB633-0D8A-479E-BBA2-8F7FAC3E730D}"/>
               </a:ext>
             </a:extLst>
           </p:cNvPr>
@@ -15038,14 +14816,14 @@
           </a:ln>
           <a:extLst>
             <a:ext uri="{909E8E84-426E-40DD-AFC4-6F175D3DCCD1}">
-              <a14:hiddenFill xmlns:a14="http://schemas.microsoft.com/office/drawing/2010/main">
+              <a14:hiddenFill xmlns="" xmlns:a14="http://schemas.microsoft.com/office/drawing/2010/main">
                 <a:solidFill>
                   <a:srgbClr val="FFFFFF"/>
                 </a:solidFill>
               </a14:hiddenFill>
             </a:ext>
             <a:ext uri="{91240B29-F687-4F45-9708-019B960494DF}">
-              <a14:hiddenLine xmlns:a14="http://schemas.microsoft.com/office/drawing/2010/main" w="12700" cap="sq">
+              <a14:hiddenLine xmlns="" xmlns:a14="http://schemas.microsoft.com/office/drawing/2010/main" w="12700" cap="sq">
                 <a:solidFill>
                   <a:srgbClr val="000000"/>
                 </a:solidFill>
@@ -15182,7 +14960,7 @@
           <p:cNvPr id="9" name="Line 6">
             <a:extLst>
               <a:ext uri="{FF2B5EF4-FFF2-40B4-BE49-F238E27FC236}">
-                <a16:creationId xmlns:a16="http://schemas.microsoft.com/office/drawing/2014/main" id="{7F244300-1294-471D-B3B1-615E851483B4}"/>
+                <a16:creationId xmlns="" xmlns:a16="http://schemas.microsoft.com/office/drawing/2014/main" id="{7F244300-1294-471D-B3B1-615E851483B4}"/>
               </a:ext>
             </a:extLst>
           </p:cNvPr>
@@ -15210,7 +14988,7 @@
           </a:ln>
           <a:extLst>
             <a:ext uri="{909E8E84-426E-40DD-AFC4-6F175D3DCCD1}">
-              <a14:hiddenFill xmlns:a14="http://schemas.microsoft.com/office/drawing/2010/main">
+              <a14:hiddenFill xmlns="" xmlns:a14="http://schemas.microsoft.com/office/drawing/2010/main">
                 <a:noFill/>
               </a14:hiddenFill>
             </a:ext>
@@ -15229,7 +15007,7 @@
           <p:cNvPr id="11" name="Line 7">
             <a:extLst>
               <a:ext uri="{FF2B5EF4-FFF2-40B4-BE49-F238E27FC236}">
-                <a16:creationId xmlns:a16="http://schemas.microsoft.com/office/drawing/2014/main" id="{240A3993-D820-48A8-9914-EF06B0B6ECC7}"/>
+                <a16:creationId xmlns="" xmlns:a16="http://schemas.microsoft.com/office/drawing/2014/main" id="{240A3993-D820-48A8-9914-EF06B0B6ECC7}"/>
               </a:ext>
             </a:extLst>
           </p:cNvPr>
@@ -15257,7 +15035,7 @@
           </a:ln>
           <a:extLst>
             <a:ext uri="{909E8E84-426E-40DD-AFC4-6F175D3DCCD1}">
-              <a14:hiddenFill xmlns:a14="http://schemas.microsoft.com/office/drawing/2010/main">
+              <a14:hiddenFill xmlns="" xmlns:a14="http://schemas.microsoft.com/office/drawing/2010/main">
                 <a:noFill/>
               </a14:hiddenFill>
             </a:ext>
@@ -15276,7 +15054,7 @@
           <p:cNvPr id="13" name="Text Box 4">
             <a:extLst>
               <a:ext uri="{FF2B5EF4-FFF2-40B4-BE49-F238E27FC236}">
-                <a16:creationId xmlns:a16="http://schemas.microsoft.com/office/drawing/2014/main" id="{3DEDACB5-B75D-495D-BA07-5BDEC01CEB19}"/>
+                <a16:creationId xmlns="" xmlns:a16="http://schemas.microsoft.com/office/drawing/2014/main" id="{3DEDACB5-B75D-495D-BA07-5BDEC01CEB19}"/>
               </a:ext>
             </a:extLst>
           </p:cNvPr>
@@ -15304,7 +15082,7 @@
           </a:ln>
           <a:extLst>
             <a:ext uri="{909E8E84-426E-40DD-AFC4-6F175D3DCCD1}">
-              <a14:hiddenFill xmlns:a14="http://schemas.microsoft.com/office/drawing/2010/main">
+              <a14:hiddenFill xmlns="" xmlns:a14="http://schemas.microsoft.com/office/drawing/2010/main">
                 <a:solidFill>
                   <a:srgbClr val="FFFFFF"/>
                 </a:solidFill>
@@ -15474,7 +15252,7 @@
           <p:cNvPr id="14" name="Line 5">
             <a:extLst>
               <a:ext uri="{FF2B5EF4-FFF2-40B4-BE49-F238E27FC236}">
-                <a16:creationId xmlns:a16="http://schemas.microsoft.com/office/drawing/2014/main" id="{CB52FC3A-1E47-4693-9C61-DA4C3BD3A271}"/>
+                <a16:creationId xmlns="" xmlns:a16="http://schemas.microsoft.com/office/drawing/2014/main" id="{CB52FC3A-1E47-4693-9C61-DA4C3BD3A271}"/>
               </a:ext>
             </a:extLst>
           </p:cNvPr>
@@ -15502,7 +15280,7 @@
           </a:ln>
           <a:extLst>
             <a:ext uri="{909E8E84-426E-40DD-AFC4-6F175D3DCCD1}">
-              <a14:hiddenFill xmlns:a14="http://schemas.microsoft.com/office/drawing/2010/main">
+              <a14:hiddenFill xmlns="" xmlns:a14="http://schemas.microsoft.com/office/drawing/2010/main">
                 <a:noFill/>
               </a14:hiddenFill>
             </a:ext>
@@ -15519,7 +15297,7 @@
     </p:spTree>
     <p:extLst>
       <p:ext uri="{BB962C8B-B14F-4D97-AF65-F5344CB8AC3E}">
-        <p14:creationId xmlns:p14="http://schemas.microsoft.com/office/powerpoint/2010/main" val="2824103339"/>
+        <p14:creationId xmlns="" xmlns:p14="http://schemas.microsoft.com/office/powerpoint/2010/main" val="2824103339"/>
       </p:ext>
     </p:extLst>
   </p:cSld>
@@ -16143,28 +15921,6 @@
       </p:sp>
       <p:sp>
         <p:nvSpPr>
-          <p:cNvPr id="6" name="Date Placeholder 5"/>
-          <p:cNvSpPr>
-            <a:spLocks noGrp="1"/>
-          </p:cNvSpPr>
-          <p:nvPr>
-            <p:ph type="dt" sz="half" idx="2"/>
-          </p:nvPr>
-        </p:nvSpPr>
-        <p:spPr/>
-        <p:txBody>
-          <a:bodyPr/>
-          <a:lstStyle/>
-          <a:p>
-            <a:r>
-              <a:rPr lang="en-CA" dirty="0"/>
-              <a:t>Winter 2022</a:t>
-            </a:r>
-          </a:p>
-        </p:txBody>
-      </p:sp>
-      <p:sp>
-        <p:nvSpPr>
           <p:cNvPr id="10" name="Footer Placeholder 9"/>
           <p:cNvSpPr>
             <a:spLocks noGrp="1"/>
@@ -16215,7 +15971,7 @@
     </p:spTree>
     <p:extLst>
       <p:ext uri="{BB962C8B-B14F-4D97-AF65-F5344CB8AC3E}">
-        <p14:creationId xmlns:p14="http://schemas.microsoft.com/office/powerpoint/2010/main" val="51204498"/>
+        <p14:creationId xmlns="" xmlns:p14="http://schemas.microsoft.com/office/powerpoint/2010/main" val="51204498"/>
       </p:ext>
     </p:extLst>
   </p:cSld>
@@ -17571,28 +17327,6 @@
       </p:sp>
       <p:sp>
         <p:nvSpPr>
-          <p:cNvPr id="6" name="Date Placeholder 5"/>
-          <p:cNvSpPr>
-            <a:spLocks noGrp="1"/>
-          </p:cNvSpPr>
-          <p:nvPr>
-            <p:ph type="dt" sz="half" idx="2"/>
-          </p:nvPr>
-        </p:nvSpPr>
-        <p:spPr/>
-        <p:txBody>
-          <a:bodyPr/>
-          <a:lstStyle/>
-          <a:p>
-            <a:r>
-              <a:rPr lang="en-CA" dirty="0"/>
-              <a:t>Winter 2022</a:t>
-            </a:r>
-          </a:p>
-        </p:txBody>
-      </p:sp>
-      <p:sp>
-        <p:nvSpPr>
           <p:cNvPr id="10" name="Footer Placeholder 9"/>
           <p:cNvSpPr>
             <a:spLocks noGrp="1"/>
@@ -17645,7 +17379,7 @@
           <p:cNvPr id="7" name="Line 4">
             <a:extLst>
               <a:ext uri="{FF2B5EF4-FFF2-40B4-BE49-F238E27FC236}">
-                <a16:creationId xmlns:a16="http://schemas.microsoft.com/office/drawing/2014/main" id="{BC0CF8BF-BC95-46DC-BECD-1B32617D0B4C}"/>
+                <a16:creationId xmlns="" xmlns:a16="http://schemas.microsoft.com/office/drawing/2014/main" id="{BC0CF8BF-BC95-46DC-BECD-1B32617D0B4C}"/>
               </a:ext>
             </a:extLst>
           </p:cNvPr>
@@ -17673,7 +17407,7 @@
           </a:ln>
           <a:extLst>
             <a:ext uri="{909E8E84-426E-40DD-AFC4-6F175D3DCCD1}">
-              <a14:hiddenFill xmlns:a14="http://schemas.microsoft.com/office/drawing/2010/main">
+              <a14:hiddenFill xmlns="" xmlns:a14="http://schemas.microsoft.com/office/drawing/2010/main">
                 <a:noFill/>
               </a14:hiddenFill>
             </a:ext>
@@ -17692,7 +17426,7 @@
           <p:cNvPr id="8" name="Text Box 5">
             <a:extLst>
               <a:ext uri="{FF2B5EF4-FFF2-40B4-BE49-F238E27FC236}">
-                <a16:creationId xmlns:a16="http://schemas.microsoft.com/office/drawing/2014/main" id="{9B0EB633-0D8A-479E-BBA2-8F7FAC3E730D}"/>
+                <a16:creationId xmlns="" xmlns:a16="http://schemas.microsoft.com/office/drawing/2014/main" id="{9B0EB633-0D8A-479E-BBA2-8F7FAC3E730D}"/>
               </a:ext>
             </a:extLst>
           </p:cNvPr>
@@ -17715,14 +17449,14 @@
           </a:ln>
           <a:extLst>
             <a:ext uri="{909E8E84-426E-40DD-AFC4-6F175D3DCCD1}">
-              <a14:hiddenFill xmlns:a14="http://schemas.microsoft.com/office/drawing/2010/main">
+              <a14:hiddenFill xmlns="" xmlns:a14="http://schemas.microsoft.com/office/drawing/2010/main">
                 <a:solidFill>
                   <a:srgbClr val="FFFFFF"/>
                 </a:solidFill>
               </a14:hiddenFill>
             </a:ext>
             <a:ext uri="{91240B29-F687-4F45-9708-019B960494DF}">
-              <a14:hiddenLine xmlns:a14="http://schemas.microsoft.com/office/drawing/2010/main" w="12700" cap="sq">
+              <a14:hiddenLine xmlns="" xmlns:a14="http://schemas.microsoft.com/office/drawing/2010/main" w="12700" cap="sq">
                 <a:solidFill>
                   <a:srgbClr val="000000"/>
                 </a:solidFill>
@@ -17859,7 +17593,7 @@
           <p:cNvPr id="9" name="Line 6">
             <a:extLst>
               <a:ext uri="{FF2B5EF4-FFF2-40B4-BE49-F238E27FC236}">
-                <a16:creationId xmlns:a16="http://schemas.microsoft.com/office/drawing/2014/main" id="{7F244300-1294-471D-B3B1-615E851483B4}"/>
+                <a16:creationId xmlns="" xmlns:a16="http://schemas.microsoft.com/office/drawing/2014/main" id="{7F244300-1294-471D-B3B1-615E851483B4}"/>
               </a:ext>
             </a:extLst>
           </p:cNvPr>
@@ -17887,7 +17621,7 @@
           </a:ln>
           <a:extLst>
             <a:ext uri="{909E8E84-426E-40DD-AFC4-6F175D3DCCD1}">
-              <a14:hiddenFill xmlns:a14="http://schemas.microsoft.com/office/drawing/2010/main">
+              <a14:hiddenFill xmlns="" xmlns:a14="http://schemas.microsoft.com/office/drawing/2010/main">
                 <a:noFill/>
               </a14:hiddenFill>
             </a:ext>
@@ -17906,7 +17640,7 @@
           <p:cNvPr id="11" name="Line 7">
             <a:extLst>
               <a:ext uri="{FF2B5EF4-FFF2-40B4-BE49-F238E27FC236}">
-                <a16:creationId xmlns:a16="http://schemas.microsoft.com/office/drawing/2014/main" id="{240A3993-D820-48A8-9914-EF06B0B6ECC7}"/>
+                <a16:creationId xmlns="" xmlns:a16="http://schemas.microsoft.com/office/drawing/2014/main" id="{240A3993-D820-48A8-9914-EF06B0B6ECC7}"/>
               </a:ext>
             </a:extLst>
           </p:cNvPr>
@@ -17934,7 +17668,7 @@
           </a:ln>
           <a:extLst>
             <a:ext uri="{909E8E84-426E-40DD-AFC4-6F175D3DCCD1}">
-              <a14:hiddenFill xmlns:a14="http://schemas.microsoft.com/office/drawing/2010/main">
+              <a14:hiddenFill xmlns="" xmlns:a14="http://schemas.microsoft.com/office/drawing/2010/main">
                 <a:noFill/>
               </a14:hiddenFill>
             </a:ext>
@@ -17951,7 +17685,7 @@
     </p:spTree>
     <p:extLst>
       <p:ext uri="{BB962C8B-B14F-4D97-AF65-F5344CB8AC3E}">
-        <p14:creationId xmlns:p14="http://schemas.microsoft.com/office/powerpoint/2010/main" val="1818621087"/>
+        <p14:creationId xmlns="" xmlns:p14="http://schemas.microsoft.com/office/powerpoint/2010/main" val="1818621087"/>
       </p:ext>
     </p:extLst>
   </p:cSld>
@@ -18002,28 +17736,6 @@
       </p:sp>
       <p:sp>
         <p:nvSpPr>
-          <p:cNvPr id="6" name="Date Placeholder 5"/>
-          <p:cNvSpPr>
-            <a:spLocks noGrp="1"/>
-          </p:cNvSpPr>
-          <p:nvPr>
-            <p:ph type="dt" sz="half" idx="2"/>
-          </p:nvPr>
-        </p:nvSpPr>
-        <p:spPr/>
-        <p:txBody>
-          <a:bodyPr/>
-          <a:lstStyle/>
-          <a:p>
-            <a:r>
-              <a:rPr lang="en-CA" dirty="0"/>
-              <a:t>Winter 2022</a:t>
-            </a:r>
-          </a:p>
-        </p:txBody>
-      </p:sp>
-      <p:sp>
-        <p:nvSpPr>
           <p:cNvPr id="10" name="Footer Placeholder 9"/>
           <p:cNvSpPr>
             <a:spLocks noGrp="1"/>
@@ -18076,7 +17788,7 @@
           <p:cNvPr id="5" name="Content Placeholder 4">
             <a:extLst>
               <a:ext uri="{FF2B5EF4-FFF2-40B4-BE49-F238E27FC236}">
-                <a16:creationId xmlns:a16="http://schemas.microsoft.com/office/drawing/2014/main" id="{44FFF9F3-57A7-4D93-BE9C-521D6B9AFB84}"/>
+                <a16:creationId xmlns="" xmlns:a16="http://schemas.microsoft.com/office/drawing/2014/main" id="{44FFF9F3-57A7-4D93-BE9C-521D6B9AFB84}"/>
               </a:ext>
             </a:extLst>
           </p:cNvPr>
@@ -18107,7 +17819,7 @@
           <p:cNvPr id="9" name="Picture 6">
             <a:extLst>
               <a:ext uri="{FF2B5EF4-FFF2-40B4-BE49-F238E27FC236}">
-                <a16:creationId xmlns:a16="http://schemas.microsoft.com/office/drawing/2014/main" id="{E3249ABB-61E0-4807-8C41-D09B17F4197F}"/>
+                <a16:creationId xmlns="" xmlns:a16="http://schemas.microsoft.com/office/drawing/2014/main" id="{E3249ABB-61E0-4807-8C41-D09B17F4197F}"/>
               </a:ext>
             </a:extLst>
           </p:cNvPr>
@@ -18120,7 +17832,7 @@
           <a:blip r:embed="rId2">
             <a:extLst>
               <a:ext uri="{28A0092B-C50C-407E-A947-70E740481C1C}">
-                <a14:useLocalDpi xmlns:a14="http://schemas.microsoft.com/office/drawing/2010/main" val="0"/>
+                <a14:useLocalDpi xmlns="" xmlns:a14="http://schemas.microsoft.com/office/drawing/2010/main" val="0"/>
               </a:ext>
             </a:extLst>
           </a:blip>
@@ -18143,14 +17855,14 @@
           </a:ln>
           <a:extLst>
             <a:ext uri="{909E8E84-426E-40DD-AFC4-6F175D3DCCD1}">
-              <a14:hiddenFill xmlns:a14="http://schemas.microsoft.com/office/drawing/2010/main">
+              <a14:hiddenFill xmlns="" xmlns:a14="http://schemas.microsoft.com/office/drawing/2010/main">
                 <a:solidFill>
                   <a:srgbClr val="FFFFFF"/>
                 </a:solidFill>
               </a14:hiddenFill>
             </a:ext>
             <a:ext uri="{91240B29-F687-4F45-9708-019B960494DF}">
-              <a14:hiddenLine xmlns:a14="http://schemas.microsoft.com/office/drawing/2010/main" w="9525">
+              <a14:hiddenLine xmlns="" xmlns:a14="http://schemas.microsoft.com/office/drawing/2010/main" w="9525">
                 <a:solidFill>
                   <a:srgbClr val="000000"/>
                 </a:solidFill>
@@ -18167,7 +17879,7 @@
           <p:cNvPr id="11" name="Picture 7">
             <a:extLst>
               <a:ext uri="{FF2B5EF4-FFF2-40B4-BE49-F238E27FC236}">
-                <a16:creationId xmlns:a16="http://schemas.microsoft.com/office/drawing/2014/main" id="{88FA1635-084F-4095-A67E-53132945609D}"/>
+                <a16:creationId xmlns="" xmlns:a16="http://schemas.microsoft.com/office/drawing/2014/main" id="{88FA1635-084F-4095-A67E-53132945609D}"/>
               </a:ext>
             </a:extLst>
           </p:cNvPr>
@@ -18180,7 +17892,7 @@
           <a:blip r:embed="rId3">
             <a:extLst>
               <a:ext uri="{28A0092B-C50C-407E-A947-70E740481C1C}">
-                <a14:useLocalDpi xmlns:a14="http://schemas.microsoft.com/office/drawing/2010/main" val="0"/>
+                <a14:useLocalDpi xmlns="" xmlns:a14="http://schemas.microsoft.com/office/drawing/2010/main" val="0"/>
               </a:ext>
             </a:extLst>
           </a:blip>
@@ -18203,14 +17915,14 @@
           </a:ln>
           <a:extLst>
             <a:ext uri="{909E8E84-426E-40DD-AFC4-6F175D3DCCD1}">
-              <a14:hiddenFill xmlns:a14="http://schemas.microsoft.com/office/drawing/2010/main">
+              <a14:hiddenFill xmlns="" xmlns:a14="http://schemas.microsoft.com/office/drawing/2010/main">
                 <a:solidFill>
                   <a:srgbClr val="FFFFFF"/>
                 </a:solidFill>
               </a14:hiddenFill>
             </a:ext>
             <a:ext uri="{91240B29-F687-4F45-9708-019B960494DF}">
-              <a14:hiddenLine xmlns:a14="http://schemas.microsoft.com/office/drawing/2010/main" w="9525">
+              <a14:hiddenLine xmlns="" xmlns:a14="http://schemas.microsoft.com/office/drawing/2010/main" w="9525">
                 <a:solidFill>
                   <a:srgbClr val="000000"/>
                 </a:solidFill>
@@ -18227,7 +17939,7 @@
           <p:cNvPr id="13" name="Picture 8">
             <a:extLst>
               <a:ext uri="{FF2B5EF4-FFF2-40B4-BE49-F238E27FC236}">
-                <a16:creationId xmlns:a16="http://schemas.microsoft.com/office/drawing/2014/main" id="{679A19B8-CBAF-431A-B441-AE4CBF47E7CC}"/>
+                <a16:creationId xmlns="" xmlns:a16="http://schemas.microsoft.com/office/drawing/2014/main" id="{679A19B8-CBAF-431A-B441-AE4CBF47E7CC}"/>
               </a:ext>
             </a:extLst>
           </p:cNvPr>
@@ -18237,10 +17949,10 @@
           <p:nvPr/>
         </p:nvPicPr>
         <p:blipFill>
-          <a:blip r:embed="rId4">
+          <a:blip r:embed="rId4" cstate="print">
             <a:extLst>
               <a:ext uri="{28A0092B-C50C-407E-A947-70E740481C1C}">
-                <a14:useLocalDpi xmlns:a14="http://schemas.microsoft.com/office/drawing/2010/main" val="0"/>
+                <a14:useLocalDpi xmlns="" xmlns:a14="http://schemas.microsoft.com/office/drawing/2010/main" val="0"/>
               </a:ext>
             </a:extLst>
           </a:blip>
@@ -18263,14 +17975,14 @@
           </a:ln>
           <a:extLst>
             <a:ext uri="{909E8E84-426E-40DD-AFC4-6F175D3DCCD1}">
-              <a14:hiddenFill xmlns:a14="http://schemas.microsoft.com/office/drawing/2010/main">
+              <a14:hiddenFill xmlns="" xmlns:a14="http://schemas.microsoft.com/office/drawing/2010/main">
                 <a:solidFill>
                   <a:srgbClr val="FFFFFF"/>
                 </a:solidFill>
               </a14:hiddenFill>
             </a:ext>
             <a:ext uri="{91240B29-F687-4F45-9708-019B960494DF}">
-              <a14:hiddenLine xmlns:a14="http://schemas.microsoft.com/office/drawing/2010/main" w="9525">
+              <a14:hiddenLine xmlns="" xmlns:a14="http://schemas.microsoft.com/office/drawing/2010/main" w="9525">
                 <a:solidFill>
                   <a:srgbClr val="000000"/>
                 </a:solidFill>
@@ -18285,7 +17997,7 @@
     </p:spTree>
     <p:extLst>
       <p:ext uri="{BB962C8B-B14F-4D97-AF65-F5344CB8AC3E}">
-        <p14:creationId xmlns:p14="http://schemas.microsoft.com/office/powerpoint/2010/main" val="1054708928"/>
+        <p14:creationId xmlns="" xmlns:p14="http://schemas.microsoft.com/office/powerpoint/2010/main" val="1054708928"/>
       </p:ext>
     </p:extLst>
   </p:cSld>
@@ -18639,28 +18351,6 @@
       </p:sp>
       <p:sp>
         <p:nvSpPr>
-          <p:cNvPr id="6" name="Date Placeholder 5"/>
-          <p:cNvSpPr>
-            <a:spLocks noGrp="1"/>
-          </p:cNvSpPr>
-          <p:nvPr>
-            <p:ph type="dt" sz="half" idx="2"/>
-          </p:nvPr>
-        </p:nvSpPr>
-        <p:spPr/>
-        <p:txBody>
-          <a:bodyPr/>
-          <a:lstStyle/>
-          <a:p>
-            <a:r>
-              <a:rPr lang="en-CA" dirty="0"/>
-              <a:t>Winter 2022</a:t>
-            </a:r>
-          </a:p>
-        </p:txBody>
-      </p:sp>
-      <p:sp>
-        <p:nvSpPr>
           <p:cNvPr id="10" name="Footer Placeholder 9"/>
           <p:cNvSpPr>
             <a:spLocks noGrp="1"/>
@@ -18713,7 +18403,7 @@
           <p:cNvPr id="5" name="Content Placeholder 4">
             <a:extLst>
               <a:ext uri="{FF2B5EF4-FFF2-40B4-BE49-F238E27FC236}">
-                <a16:creationId xmlns:a16="http://schemas.microsoft.com/office/drawing/2014/main" id="{44FFF9F3-57A7-4D93-BE9C-521D6B9AFB84}"/>
+                <a16:creationId xmlns="" xmlns:a16="http://schemas.microsoft.com/office/drawing/2014/main" id="{44FFF9F3-57A7-4D93-BE9C-521D6B9AFB84}"/>
               </a:ext>
             </a:extLst>
           </p:cNvPr>
@@ -18744,7 +18434,7 @@
           <p:cNvPr id="18" name="Picture 6">
             <a:extLst>
               <a:ext uri="{FF2B5EF4-FFF2-40B4-BE49-F238E27FC236}">
-                <a16:creationId xmlns:a16="http://schemas.microsoft.com/office/drawing/2014/main" id="{1BB404CF-6BC7-45C5-B908-5EB43A769214}"/>
+                <a16:creationId xmlns="" xmlns:a16="http://schemas.microsoft.com/office/drawing/2014/main" id="{1BB404CF-6BC7-45C5-B908-5EB43A769214}"/>
               </a:ext>
             </a:extLst>
           </p:cNvPr>
@@ -18757,7 +18447,7 @@
           <a:blip r:embed="rId2">
             <a:extLst>
               <a:ext uri="{28A0092B-C50C-407E-A947-70E740481C1C}">
-                <a14:useLocalDpi xmlns:a14="http://schemas.microsoft.com/office/drawing/2010/main" val="0"/>
+                <a14:useLocalDpi xmlns="" xmlns:a14="http://schemas.microsoft.com/office/drawing/2010/main" val="0"/>
               </a:ext>
             </a:extLst>
           </a:blip>
@@ -18780,14 +18470,14 @@
           </a:ln>
           <a:extLst>
             <a:ext uri="{909E8E84-426E-40DD-AFC4-6F175D3DCCD1}">
-              <a14:hiddenFill xmlns:a14="http://schemas.microsoft.com/office/drawing/2010/main">
+              <a14:hiddenFill xmlns="" xmlns:a14="http://schemas.microsoft.com/office/drawing/2010/main">
                 <a:solidFill>
                   <a:srgbClr val="FFFFFF"/>
                 </a:solidFill>
               </a14:hiddenFill>
             </a:ext>
             <a:ext uri="{91240B29-F687-4F45-9708-019B960494DF}">
-              <a14:hiddenLine xmlns:a14="http://schemas.microsoft.com/office/drawing/2010/main" w="9525">
+              <a14:hiddenLine xmlns="" xmlns:a14="http://schemas.microsoft.com/office/drawing/2010/main" w="9525">
                 <a:solidFill>
                   <a:srgbClr val="000000"/>
                 </a:solidFill>
@@ -18804,7 +18494,7 @@
           <p:cNvPr id="19" name="Rectangle 7">
             <a:extLst>
               <a:ext uri="{FF2B5EF4-FFF2-40B4-BE49-F238E27FC236}">
-                <a16:creationId xmlns:a16="http://schemas.microsoft.com/office/drawing/2014/main" id="{B01FD563-EE48-429A-AF4E-5853DB832DCB}"/>
+                <a16:creationId xmlns="" xmlns:a16="http://schemas.microsoft.com/office/drawing/2014/main" id="{B01FD563-EE48-429A-AF4E-5853DB832DCB}"/>
               </a:ext>
             </a:extLst>
           </p:cNvPr>
@@ -18984,7 +18674,7 @@
           <p:cNvPr id="20" name="Rectangle 8">
             <a:extLst>
               <a:ext uri="{FF2B5EF4-FFF2-40B4-BE49-F238E27FC236}">
-                <a16:creationId xmlns:a16="http://schemas.microsoft.com/office/drawing/2014/main" id="{2165C823-4C95-46A3-B013-E97B17577DA3}"/>
+                <a16:creationId xmlns="" xmlns:a16="http://schemas.microsoft.com/office/drawing/2014/main" id="{2165C823-4C95-46A3-B013-E97B17577DA3}"/>
               </a:ext>
             </a:extLst>
           </p:cNvPr>
@@ -19164,7 +18854,7 @@
           <p:cNvPr id="21" name="Rectangle 9">
             <a:extLst>
               <a:ext uri="{FF2B5EF4-FFF2-40B4-BE49-F238E27FC236}">
-                <a16:creationId xmlns:a16="http://schemas.microsoft.com/office/drawing/2014/main" id="{FE9F184D-1B56-479F-B248-C6F25DA7FF99}"/>
+                <a16:creationId xmlns="" xmlns:a16="http://schemas.microsoft.com/office/drawing/2014/main" id="{FE9F184D-1B56-479F-B248-C6F25DA7FF99}"/>
               </a:ext>
             </a:extLst>
           </p:cNvPr>
@@ -19342,7 +19032,7 @@
     </p:spTree>
     <p:extLst>
       <p:ext uri="{BB962C8B-B14F-4D97-AF65-F5344CB8AC3E}">
-        <p14:creationId xmlns:p14="http://schemas.microsoft.com/office/powerpoint/2010/main" val="2484178016"/>
+        <p14:creationId xmlns="" xmlns:p14="http://schemas.microsoft.com/office/powerpoint/2010/main" val="2484178016"/>
       </p:ext>
     </p:extLst>
   </p:cSld>
@@ -20153,28 +19843,6 @@
       </p:sp>
       <p:sp>
         <p:nvSpPr>
-          <p:cNvPr id="6" name="Date Placeholder 5"/>
-          <p:cNvSpPr>
-            <a:spLocks noGrp="1"/>
-          </p:cNvSpPr>
-          <p:nvPr>
-            <p:ph type="dt" sz="half" idx="2"/>
-          </p:nvPr>
-        </p:nvSpPr>
-        <p:spPr/>
-        <p:txBody>
-          <a:bodyPr/>
-          <a:lstStyle/>
-          <a:p>
-            <a:r>
-              <a:rPr lang="en-CA" dirty="0"/>
-              <a:t>Winter 2022</a:t>
-            </a:r>
-          </a:p>
-        </p:txBody>
-      </p:sp>
-      <p:sp>
-        <p:nvSpPr>
           <p:cNvPr id="10" name="Footer Placeholder 9"/>
           <p:cNvSpPr>
             <a:spLocks noGrp="1"/>
@@ -20227,7 +19895,7 @@
           <p:cNvPr id="7" name="Rectangle 4">
             <a:extLst>
               <a:ext uri="{FF2B5EF4-FFF2-40B4-BE49-F238E27FC236}">
-                <a16:creationId xmlns:a16="http://schemas.microsoft.com/office/drawing/2014/main" id="{6271D9FE-13B6-4EA6-A583-85FA8BD5D397}"/>
+                <a16:creationId xmlns="" xmlns:a16="http://schemas.microsoft.com/office/drawing/2014/main" id="{6271D9FE-13B6-4EA6-A583-85FA8BD5D397}"/>
               </a:ext>
             </a:extLst>
           </p:cNvPr>
@@ -20255,7 +19923,7 @@
           </a:ln>
           <a:extLst>
             <a:ext uri="{909E8E84-426E-40DD-AFC4-6F175D3DCCD1}">
-              <a14:hiddenFill xmlns:a14="http://schemas.microsoft.com/office/drawing/2010/main">
+              <a14:hiddenFill xmlns="" xmlns:a14="http://schemas.microsoft.com/office/drawing/2010/main">
                 <a:solidFill>
                   <a:srgbClr val="FFFFFF"/>
                 </a:solidFill>
@@ -20560,7 +20228,7 @@
     </p:spTree>
     <p:extLst>
       <p:ext uri="{BB962C8B-B14F-4D97-AF65-F5344CB8AC3E}">
-        <p14:creationId xmlns:p14="http://schemas.microsoft.com/office/powerpoint/2010/main" val="344057035"/>
+        <p14:creationId xmlns="" xmlns:p14="http://schemas.microsoft.com/office/powerpoint/2010/main" val="344057035"/>
       </p:ext>
     </p:extLst>
   </p:cSld>
@@ -20957,28 +20625,6 @@
       </p:sp>
       <p:sp>
         <p:nvSpPr>
-          <p:cNvPr id="6" name="Date Placeholder 5"/>
-          <p:cNvSpPr>
-            <a:spLocks noGrp="1"/>
-          </p:cNvSpPr>
-          <p:nvPr>
-            <p:ph type="dt" sz="half" idx="2"/>
-          </p:nvPr>
-        </p:nvSpPr>
-        <p:spPr/>
-        <p:txBody>
-          <a:bodyPr/>
-          <a:lstStyle/>
-          <a:p>
-            <a:r>
-              <a:rPr lang="en-CA" dirty="0"/>
-              <a:t>Winter 2022</a:t>
-            </a:r>
-          </a:p>
-        </p:txBody>
-      </p:sp>
-      <p:sp>
-        <p:nvSpPr>
           <p:cNvPr id="10" name="Footer Placeholder 9"/>
           <p:cNvSpPr>
             <a:spLocks noGrp="1"/>
@@ -21029,7 +20675,7 @@
     </p:spTree>
     <p:extLst>
       <p:ext uri="{BB962C8B-B14F-4D97-AF65-F5344CB8AC3E}">
-        <p14:creationId xmlns:p14="http://schemas.microsoft.com/office/powerpoint/2010/main" val="3580866544"/>
+        <p14:creationId xmlns="" xmlns:p14="http://schemas.microsoft.com/office/powerpoint/2010/main" val="3580866544"/>
       </p:ext>
     </p:extLst>
   </p:cSld>
@@ -21398,28 +21044,6 @@
       </p:sp>
       <p:sp>
         <p:nvSpPr>
-          <p:cNvPr id="6" name="Date Placeholder 5"/>
-          <p:cNvSpPr>
-            <a:spLocks noGrp="1"/>
-          </p:cNvSpPr>
-          <p:nvPr>
-            <p:ph type="dt" sz="half" idx="2"/>
-          </p:nvPr>
-        </p:nvSpPr>
-        <p:spPr/>
-        <p:txBody>
-          <a:bodyPr/>
-          <a:lstStyle/>
-          <a:p>
-            <a:r>
-              <a:rPr lang="en-CA" dirty="0"/>
-              <a:t>Winter 2022</a:t>
-            </a:r>
-          </a:p>
-        </p:txBody>
-      </p:sp>
-      <p:sp>
-        <p:nvSpPr>
           <p:cNvPr id="10" name="Footer Placeholder 9"/>
           <p:cNvSpPr>
             <a:spLocks noGrp="1"/>
@@ -21470,7 +21094,7 @@
     </p:spTree>
     <p:extLst>
       <p:ext uri="{BB962C8B-B14F-4D97-AF65-F5344CB8AC3E}">
-        <p14:creationId xmlns:p14="http://schemas.microsoft.com/office/powerpoint/2010/main" val="2920876042"/>
+        <p14:creationId xmlns="" xmlns:p14="http://schemas.microsoft.com/office/powerpoint/2010/main" val="2920876042"/>
       </p:ext>
     </p:extLst>
   </p:cSld>
@@ -21583,28 +21207,6 @@
       </p:sp>
       <p:sp>
         <p:nvSpPr>
-          <p:cNvPr id="6" name="Date Placeholder 5"/>
-          <p:cNvSpPr>
-            <a:spLocks noGrp="1"/>
-          </p:cNvSpPr>
-          <p:nvPr>
-            <p:ph type="dt" sz="half" idx="2"/>
-          </p:nvPr>
-        </p:nvSpPr>
-        <p:spPr/>
-        <p:txBody>
-          <a:bodyPr/>
-          <a:lstStyle/>
-          <a:p>
-            <a:r>
-              <a:rPr lang="en-CA" dirty="0"/>
-              <a:t>Winter 2022</a:t>
-            </a:r>
-          </a:p>
-        </p:txBody>
-      </p:sp>
-      <p:sp>
-        <p:nvSpPr>
           <p:cNvPr id="10" name="Footer Placeholder 9"/>
           <p:cNvSpPr>
             <a:spLocks noGrp="1"/>
@@ -21657,7 +21259,7 @@
           <p:cNvPr id="7" name="Picture 4">
             <a:extLst>
               <a:ext uri="{FF2B5EF4-FFF2-40B4-BE49-F238E27FC236}">
-                <a16:creationId xmlns:a16="http://schemas.microsoft.com/office/drawing/2014/main" id="{D952D407-3827-4273-94AA-E4D74E054634}"/>
+                <a16:creationId xmlns="" xmlns:a16="http://schemas.microsoft.com/office/drawing/2014/main" id="{D952D407-3827-4273-94AA-E4D74E054634}"/>
               </a:ext>
             </a:extLst>
           </p:cNvPr>
@@ -21670,7 +21272,7 @@
           <a:blip r:embed="rId2">
             <a:extLst>
               <a:ext uri="{28A0092B-C50C-407E-A947-70E740481C1C}">
-                <a14:useLocalDpi xmlns:a14="http://schemas.microsoft.com/office/drawing/2010/main" val="0"/>
+                <a14:useLocalDpi xmlns="" xmlns:a14="http://schemas.microsoft.com/office/drawing/2010/main" val="0"/>
               </a:ext>
             </a:extLst>
           </a:blip>
@@ -21693,7 +21295,7 @@
     </p:spTree>
     <p:extLst>
       <p:ext uri="{BB962C8B-B14F-4D97-AF65-F5344CB8AC3E}">
-        <p14:creationId xmlns:p14="http://schemas.microsoft.com/office/powerpoint/2010/main" val="2257842500"/>
+        <p14:creationId xmlns="" xmlns:p14="http://schemas.microsoft.com/office/powerpoint/2010/main" val="2257842500"/>
       </p:ext>
     </p:extLst>
   </p:cSld>
@@ -22323,28 +21925,6 @@
       </p:sp>
       <p:sp>
         <p:nvSpPr>
-          <p:cNvPr id="6" name="Date Placeholder 5"/>
-          <p:cNvSpPr>
-            <a:spLocks noGrp="1"/>
-          </p:cNvSpPr>
-          <p:nvPr>
-            <p:ph type="dt" sz="half" idx="2"/>
-          </p:nvPr>
-        </p:nvSpPr>
-        <p:spPr/>
-        <p:txBody>
-          <a:bodyPr/>
-          <a:lstStyle/>
-          <a:p>
-            <a:r>
-              <a:rPr lang="en-CA" dirty="0"/>
-              <a:t>Winter 2022</a:t>
-            </a:r>
-          </a:p>
-        </p:txBody>
-      </p:sp>
-      <p:sp>
-        <p:nvSpPr>
           <p:cNvPr id="10" name="Footer Placeholder 9"/>
           <p:cNvSpPr>
             <a:spLocks noGrp="1"/>
@@ -22395,7 +21975,7 @@
     </p:spTree>
     <p:extLst>
       <p:ext uri="{BB962C8B-B14F-4D97-AF65-F5344CB8AC3E}">
-        <p14:creationId xmlns:p14="http://schemas.microsoft.com/office/powerpoint/2010/main" val="3838176282"/>
+        <p14:creationId xmlns="" xmlns:p14="http://schemas.microsoft.com/office/powerpoint/2010/main" val="3838176282"/>
       </p:ext>
     </p:extLst>
   </p:cSld>
@@ -22448,7 +22028,7 @@
     </a:clrScheme>
     <a:fontScheme name="Office">
       <a:majorFont>
-        <a:latin typeface="Calibri Light" panose="020F0302020204030204"/>
+        <a:latin typeface="Calibri Light"/>
         <a:ea typeface=""/>
         <a:cs typeface=""/>
         <a:font script="Jpan" typeface="游ゴシック Light"/>
@@ -22500,7 +22080,7 @@
         <a:font script="Tfng" typeface="Ebrima"/>
       </a:majorFont>
       <a:minorFont>
-        <a:latin typeface="Calibri" panose="020F0502020204030204"/>
+        <a:latin typeface="Calibri"/>
         <a:ea typeface=""/>
         <a:cs typeface=""/>
         <a:font script="Jpan" typeface="游ゴシック"/>
@@ -22694,7 +22274,7 @@
   <a:extraClrSchemeLst/>
   <a:extLst>
     <a:ext uri="{05A4C25C-085E-4340-85A3-A5531E510DB2}">
-      <thm15:themeFamily xmlns:thm15="http://schemas.microsoft.com/office/thememl/2012/main" name="eye_tracker_presentation" id="{00ED1D97-A04B-46A0-BB71-88655A6B057F}" vid="{F36189FA-3966-4852-951E-5734674D1C7B}"/>
+      <thm15:themeFamily xmlns="" xmlns:thm15="http://schemas.microsoft.com/office/thememl/2012/main" name="eye_tracker_presentation" id="{00ED1D97-A04B-46A0-BB71-88655A6B057F}" vid="{F36189FA-3966-4852-951E-5734674D1C7B}"/>
     </a:ext>
   </a:extLst>
 </a:theme>
@@ -22743,7 +22323,7 @@
     </a:clrScheme>
     <a:fontScheme name="Office">
       <a:majorFont>
-        <a:latin typeface="Calibri Light" panose="020F0302020204030204"/>
+        <a:latin typeface="Calibri Light"/>
         <a:ea typeface=""/>
         <a:cs typeface=""/>
         <a:font script="Jpan" typeface="游ゴシック Light"/>
@@ -22795,7 +22375,7 @@
         <a:font script="Tfng" typeface="Ebrima"/>
       </a:majorFont>
       <a:minorFont>
-        <a:latin typeface="Calibri" panose="020F0502020204030204"/>
+        <a:latin typeface="Calibri"/>
         <a:ea typeface=""/>
         <a:cs typeface=""/>
         <a:font script="Jpan" typeface="游ゴシック"/>
@@ -22989,7 +22569,7 @@
   <a:extraClrSchemeLst/>
   <a:extLst>
     <a:ext uri="{05A4C25C-085E-4340-85A3-A5531E510DB2}">
-      <thm15:themeFamily xmlns:thm15="http://schemas.microsoft.com/office/thememl/2012/main" name="Office Theme" id="{62F939B6-93AF-4DB8-9C6B-D6C7DFDC589F}" vid="{4A3C46E8-61CC-4603-A589-7422A47A8E4A}"/>
+      <thm15:themeFamily xmlns="" xmlns:thm15="http://schemas.microsoft.com/office/thememl/2012/main" name="Office Theme" id="{62F939B6-93AF-4DB8-9C6B-D6C7DFDC589F}" vid="{4A3C46E8-61CC-4603-A589-7422A47A8E4A}"/>
     </a:ext>
   </a:extLst>
 </a:theme>

--- a/bishops/cs321/resources/CS321_Lecture_15D.pptx
+++ b/bishops/cs321/resources/CS321_Lecture_15D.pptx
@@ -128,7 +128,7 @@
   </p:defaultTextStyle>
   <p:extLst>
     <p:ext uri="{EFAFB233-063F-42B5-8137-9DF3F51BA10A}">
-      <p15:sldGuideLst xmlns="" xmlns:p15="http://schemas.microsoft.com/office/powerpoint/2012/main"/>
+      <p15:sldGuideLst xmlns:p15="http://schemas.microsoft.com/office/powerpoint/2012/main" xmlns=""/>
     </p:ext>
   </p:extLst>
 </p:presentation>
@@ -139,7 +139,7 @@
   <p:cmAuthor id="1" name="Gregory" initials="G" lastIdx="1" clrIdx="0">
     <p:extLst>
       <p:ext uri="{19B8F6BF-5375-455C-9EA6-DF929625EA0E}">
-        <p15:presenceInfo xmlns="" xmlns:p15="http://schemas.microsoft.com/office/powerpoint/2012/main" userId="Gregory" providerId="None"/>
+        <p15:presenceInfo xmlns:p15="http://schemas.microsoft.com/office/powerpoint/2012/main" xmlns="" userId="Gregory" providerId="None"/>
       </p:ext>
     </p:extLst>
   </p:cmAuthor>
@@ -229,7 +229,7 @@
             <a:fld id="{A6583E9D-07AB-4C6D-BFD0-47E805C6B3D4}" type="datetimeFigureOut">
               <a:rPr lang="en-CA" smtClean="0"/>
               <a:pPr/>
-              <a:t>2024-03-08</a:t>
+              <a:t>2024-03-20</a:t>
             </a:fld>
             <a:endParaRPr lang="en-CA"/>
           </a:p>
@@ -398,7 +398,7 @@
     </p:spTree>
     <p:extLst>
       <p:ext uri="{BB962C8B-B14F-4D97-AF65-F5344CB8AC3E}">
-        <p14:creationId xmlns="" xmlns:p14="http://schemas.microsoft.com/office/powerpoint/2010/main" val="4237529172"/>
+        <p14:creationId xmlns:p14="http://schemas.microsoft.com/office/powerpoint/2010/main" xmlns="" val="4237529172"/>
       </p:ext>
     </p:extLst>
   </p:cSld>
@@ -573,7 +573,7 @@
     </p:spTree>
     <p:extLst>
       <p:ext uri="{BB962C8B-B14F-4D97-AF65-F5344CB8AC3E}">
-        <p14:creationId xmlns="" xmlns:p14="http://schemas.microsoft.com/office/powerpoint/2010/main" val="2340334442"/>
+        <p14:creationId xmlns:p14="http://schemas.microsoft.com/office/powerpoint/2010/main" xmlns="" val="2340334442"/>
       </p:ext>
     </p:extLst>
   </p:cSld>
@@ -777,7 +777,7 @@
     </p:spTree>
     <p:extLst>
       <p:ext uri="{BB962C8B-B14F-4D97-AF65-F5344CB8AC3E}">
-        <p14:creationId xmlns="" xmlns:p14="http://schemas.microsoft.com/office/powerpoint/2010/main" val="1900560834"/>
+        <p14:creationId xmlns:p14="http://schemas.microsoft.com/office/powerpoint/2010/main" xmlns="" val="1900560834"/>
       </p:ext>
     </p:extLst>
   </p:cSld>
@@ -951,7 +951,7 @@
     </p:spTree>
     <p:extLst>
       <p:ext uri="{BB962C8B-B14F-4D97-AF65-F5344CB8AC3E}">
-        <p14:creationId xmlns="" xmlns:p14="http://schemas.microsoft.com/office/powerpoint/2010/main" val="3722958745"/>
+        <p14:creationId xmlns:p14="http://schemas.microsoft.com/office/powerpoint/2010/main" xmlns="" val="3722958745"/>
       </p:ext>
     </p:extLst>
   </p:cSld>
@@ -1187,7 +1187,7 @@
     </p:spTree>
     <p:extLst>
       <p:ext uri="{BB962C8B-B14F-4D97-AF65-F5344CB8AC3E}">
-        <p14:creationId xmlns="" xmlns:p14="http://schemas.microsoft.com/office/powerpoint/2010/main" val="1822376042"/>
+        <p14:creationId xmlns:p14="http://schemas.microsoft.com/office/powerpoint/2010/main" xmlns="" val="1822376042"/>
       </p:ext>
     </p:extLst>
   </p:cSld>
@@ -1437,7 +1437,7 @@
     </p:spTree>
     <p:extLst>
       <p:ext uri="{BB962C8B-B14F-4D97-AF65-F5344CB8AC3E}">
-        <p14:creationId xmlns="" xmlns:p14="http://schemas.microsoft.com/office/powerpoint/2010/main" val="3411672561"/>
+        <p14:creationId xmlns:p14="http://schemas.microsoft.com/office/powerpoint/2010/main" xmlns="" val="3411672561"/>
       </p:ext>
     </p:extLst>
   </p:cSld>
@@ -1673,7 +1673,7 @@
     </p:spTree>
     <p:extLst>
       <p:ext uri="{BB962C8B-B14F-4D97-AF65-F5344CB8AC3E}">
-        <p14:creationId xmlns="" xmlns:p14="http://schemas.microsoft.com/office/powerpoint/2010/main" val="1093008526"/>
+        <p14:creationId xmlns:p14="http://schemas.microsoft.com/office/powerpoint/2010/main" xmlns="" val="1093008526"/>
       </p:ext>
     </p:extLst>
   </p:cSld>
@@ -2044,7 +2044,7 @@
     </p:spTree>
     <p:extLst>
       <p:ext uri="{BB962C8B-B14F-4D97-AF65-F5344CB8AC3E}">
-        <p14:creationId xmlns="" xmlns:p14="http://schemas.microsoft.com/office/powerpoint/2010/main" val="1087924878"/>
+        <p14:creationId xmlns:p14="http://schemas.microsoft.com/office/powerpoint/2010/main" xmlns="" val="1087924878"/>
       </p:ext>
     </p:extLst>
   </p:cSld>
@@ -2166,7 +2166,7 @@
     </p:spTree>
     <p:extLst>
       <p:ext uri="{BB962C8B-B14F-4D97-AF65-F5344CB8AC3E}">
-        <p14:creationId xmlns="" xmlns:p14="http://schemas.microsoft.com/office/powerpoint/2010/main" val="3802387408"/>
+        <p14:creationId xmlns:p14="http://schemas.microsoft.com/office/powerpoint/2010/main" xmlns="" val="3802387408"/>
       </p:ext>
     </p:extLst>
   </p:cSld>
@@ -2265,7 +2265,7 @@
     </p:spTree>
     <p:extLst>
       <p:ext uri="{BB962C8B-B14F-4D97-AF65-F5344CB8AC3E}">
-        <p14:creationId xmlns="" xmlns:p14="http://schemas.microsoft.com/office/powerpoint/2010/main" val="4234091411"/>
+        <p14:creationId xmlns:p14="http://schemas.microsoft.com/office/powerpoint/2010/main" xmlns="" val="4234091411"/>
       </p:ext>
     </p:extLst>
   </p:cSld>
@@ -2546,7 +2546,7 @@
     </p:spTree>
     <p:extLst>
       <p:ext uri="{BB962C8B-B14F-4D97-AF65-F5344CB8AC3E}">
-        <p14:creationId xmlns="" xmlns:p14="http://schemas.microsoft.com/office/powerpoint/2010/main" val="4189422420"/>
+        <p14:creationId xmlns:p14="http://schemas.microsoft.com/office/powerpoint/2010/main" xmlns="" val="4189422420"/>
       </p:ext>
     </p:extLst>
   </p:cSld>
@@ -2803,7 +2803,7 @@
     </p:spTree>
     <p:extLst>
       <p:ext uri="{BB962C8B-B14F-4D97-AF65-F5344CB8AC3E}">
-        <p14:creationId xmlns="" xmlns:p14="http://schemas.microsoft.com/office/powerpoint/2010/main" val="3252977898"/>
+        <p14:creationId xmlns:p14="http://schemas.microsoft.com/office/powerpoint/2010/main" xmlns="" val="3252977898"/>
       </p:ext>
     </p:extLst>
   </p:cSld>
@@ -3072,7 +3072,7 @@
           <a:blip r:embed="rId13" cstate="print">
             <a:extLst>
               <a:ext uri="{28A0092B-C50C-407E-A947-70E740481C1C}">
-                <a14:useLocalDpi xmlns="" xmlns:a14="http://schemas.microsoft.com/office/drawing/2010/main" val="0"/>
+                <a14:useLocalDpi xmlns:a14="http://schemas.microsoft.com/office/drawing/2010/main" xmlns="" val="0"/>
               </a:ext>
             </a:extLst>
           </a:blip>
@@ -3093,7 +3093,7 @@
     </p:spTree>
     <p:extLst>
       <p:ext uri="{BB962C8B-B14F-4D97-AF65-F5344CB8AC3E}">
-        <p14:creationId xmlns="" xmlns:p14="http://schemas.microsoft.com/office/powerpoint/2010/main" val="4230061028"/>
+        <p14:creationId xmlns:p14="http://schemas.microsoft.com/office/powerpoint/2010/main" xmlns="" val="4230061028"/>
       </p:ext>
     </p:extLst>
   </p:cSld>
@@ -3544,7 +3544,7 @@
           <p:cNvPr id="13" name="Picture 8" descr="http://osiris.ubishops.ca/~alussier/images/transparentlogo_bu.png">
             <a:extLst>
               <a:ext uri="{FF2B5EF4-FFF2-40B4-BE49-F238E27FC236}">
-                <a16:creationId xmlns="" xmlns:a16="http://schemas.microsoft.com/office/drawing/2014/main" id="{CCB9A035-2F1C-4B96-A5DB-70B72D6E4AD8}"/>
+                <a16:creationId xmlns:a16="http://schemas.microsoft.com/office/drawing/2014/main" xmlns="" id="{CCB9A035-2F1C-4B96-A5DB-70B72D6E4AD8}"/>
               </a:ext>
             </a:extLst>
           </p:cNvPr>
@@ -3557,7 +3557,7 @@
           <a:blip r:embed="rId3" cstate="print">
             <a:extLst>
               <a:ext uri="{28A0092B-C50C-407E-A947-70E740481C1C}">
-                <a14:useLocalDpi xmlns="" xmlns:a14="http://schemas.microsoft.com/office/drawing/2010/main" val="0"/>
+                <a14:useLocalDpi xmlns:a14="http://schemas.microsoft.com/office/drawing/2010/main" xmlns="" val="0"/>
               </a:ext>
             </a:extLst>
           </a:blip>
@@ -3577,7 +3577,7 @@
           <a:noFill/>
           <a:extLst>
             <a:ext uri="{909E8E84-426E-40DD-AFC4-6F175D3DCCD1}">
-              <a14:hiddenFill xmlns="" xmlns:a14="http://schemas.microsoft.com/office/drawing/2010/main">
+              <a14:hiddenFill xmlns:a14="http://schemas.microsoft.com/office/drawing/2010/main" xmlns="">
                 <a:solidFill>
                   <a:srgbClr val="FFFFFF"/>
                 </a:solidFill>
@@ -3589,7 +3589,7 @@
     </p:spTree>
     <p:extLst>
       <p:ext uri="{BB962C8B-B14F-4D97-AF65-F5344CB8AC3E}">
-        <p14:creationId xmlns="" xmlns:p14="http://schemas.microsoft.com/office/powerpoint/2010/main" val="4177077622"/>
+        <p14:creationId xmlns:p14="http://schemas.microsoft.com/office/powerpoint/2010/main" xmlns="" val="4177077622"/>
       </p:ext>
     </p:extLst>
   </p:cSld>
@@ -5248,7 +5248,7 @@
           <p:cNvPr id="15" name="Rectangle 5">
             <a:extLst>
               <a:ext uri="{FF2B5EF4-FFF2-40B4-BE49-F238E27FC236}">
-                <a16:creationId xmlns="" xmlns:a16="http://schemas.microsoft.com/office/drawing/2014/main" id="{BCE3A301-B939-470C-A079-A8C91992E3EF}"/>
+                <a16:creationId xmlns:a16="http://schemas.microsoft.com/office/drawing/2014/main" xmlns="" id="{BCE3A301-B939-470C-A079-A8C91992E3EF}"/>
               </a:ext>
             </a:extLst>
           </p:cNvPr>
@@ -5276,7 +5276,7 @@
           </a:ln>
           <a:extLst>
             <a:ext uri="{909E8E84-426E-40DD-AFC4-6F175D3DCCD1}">
-              <a14:hiddenFill xmlns="" xmlns:a14="http://schemas.microsoft.com/office/drawing/2010/main">
+              <a14:hiddenFill xmlns:a14="http://schemas.microsoft.com/office/drawing/2010/main" xmlns="">
                 <a:solidFill>
                   <a:srgbClr val="FFFFFF"/>
                 </a:solidFill>
@@ -5499,7 +5499,7 @@
           <p:cNvPr id="16" name="Rectangle 6">
             <a:extLst>
               <a:ext uri="{FF2B5EF4-FFF2-40B4-BE49-F238E27FC236}">
-                <a16:creationId xmlns="" xmlns:a16="http://schemas.microsoft.com/office/drawing/2014/main" id="{937D7859-8244-4185-88AC-FC9F22CED024}"/>
+                <a16:creationId xmlns:a16="http://schemas.microsoft.com/office/drawing/2014/main" xmlns="" id="{937D7859-8244-4185-88AC-FC9F22CED024}"/>
               </a:ext>
             </a:extLst>
           </p:cNvPr>
@@ -5522,14 +5522,14 @@
           </a:ln>
           <a:extLst>
             <a:ext uri="{909E8E84-426E-40DD-AFC4-6F175D3DCCD1}">
-              <a14:hiddenFill xmlns="" xmlns:a14="http://schemas.microsoft.com/office/drawing/2010/main">
+              <a14:hiddenFill xmlns:a14="http://schemas.microsoft.com/office/drawing/2010/main" xmlns="">
                 <a:solidFill>
                   <a:srgbClr val="FFFFFF"/>
                 </a:solidFill>
               </a14:hiddenFill>
             </a:ext>
             <a:ext uri="{91240B29-F687-4F45-9708-019B960494DF}">
-              <a14:hiddenLine xmlns="" xmlns:a14="http://schemas.microsoft.com/office/drawing/2010/main" w="9525">
+              <a14:hiddenLine xmlns:a14="http://schemas.microsoft.com/office/drawing/2010/main" xmlns="" w="9525">
                 <a:solidFill>
                   <a:srgbClr val="000000"/>
                 </a:solidFill>
@@ -5694,7 +5694,7 @@
           <p:cNvPr id="17" name="Line 7">
             <a:extLst>
               <a:ext uri="{FF2B5EF4-FFF2-40B4-BE49-F238E27FC236}">
-                <a16:creationId xmlns="" xmlns:a16="http://schemas.microsoft.com/office/drawing/2014/main" id="{14384493-66FD-4703-B9B2-E47F729A081A}"/>
+                <a16:creationId xmlns:a16="http://schemas.microsoft.com/office/drawing/2014/main" xmlns="" id="{14384493-66FD-4703-B9B2-E47F729A081A}"/>
               </a:ext>
             </a:extLst>
           </p:cNvPr>
@@ -5722,7 +5722,7 @@
           </a:ln>
           <a:extLst>
             <a:ext uri="{909E8E84-426E-40DD-AFC4-6F175D3DCCD1}">
-              <a14:hiddenFill xmlns="" xmlns:a14="http://schemas.microsoft.com/office/drawing/2010/main">
+              <a14:hiddenFill xmlns:a14="http://schemas.microsoft.com/office/drawing/2010/main" xmlns="">
                 <a:noFill/>
               </a14:hiddenFill>
             </a:ext>
@@ -5739,7 +5739,7 @@
     </p:spTree>
     <p:extLst>
       <p:ext uri="{BB962C8B-B14F-4D97-AF65-F5344CB8AC3E}">
-        <p14:creationId xmlns="" xmlns:p14="http://schemas.microsoft.com/office/powerpoint/2010/main" val="1259637409"/>
+        <p14:creationId xmlns:p14="http://schemas.microsoft.com/office/powerpoint/2010/main" xmlns="" val="1259637409"/>
       </p:ext>
     </p:extLst>
   </p:cSld>
@@ -6092,7 +6092,7 @@
           <p:cNvPr id="7" name="Picture 6">
             <a:extLst>
               <a:ext uri="{FF2B5EF4-FFF2-40B4-BE49-F238E27FC236}">
-                <a16:creationId xmlns="" xmlns:a16="http://schemas.microsoft.com/office/drawing/2014/main" id="{51E55E3C-9EBA-44DE-81BC-7AC1594719E5}"/>
+                <a16:creationId xmlns:a16="http://schemas.microsoft.com/office/drawing/2014/main" xmlns="" id="{51E55E3C-9EBA-44DE-81BC-7AC1594719E5}"/>
               </a:ext>
             </a:extLst>
           </p:cNvPr>
@@ -6105,7 +6105,7 @@
           <a:blip r:embed="rId2">
             <a:extLst>
               <a:ext uri="{28A0092B-C50C-407E-A947-70E740481C1C}">
-                <a14:useLocalDpi xmlns="" xmlns:a14="http://schemas.microsoft.com/office/drawing/2010/main" val="0"/>
+                <a14:useLocalDpi xmlns:a14="http://schemas.microsoft.com/office/drawing/2010/main" xmlns="" val="0"/>
               </a:ext>
             </a:extLst>
           </a:blip>
@@ -6128,7 +6128,7 @@
     </p:spTree>
     <p:extLst>
       <p:ext uri="{BB962C8B-B14F-4D97-AF65-F5344CB8AC3E}">
-        <p14:creationId xmlns="" xmlns:p14="http://schemas.microsoft.com/office/powerpoint/2010/main" val="2900158665"/>
+        <p14:creationId xmlns:p14="http://schemas.microsoft.com/office/powerpoint/2010/main" xmlns="" val="2900158665"/>
       </p:ext>
     </p:extLst>
   </p:cSld>
@@ -7858,7 +7858,7 @@
           <p:cNvPr id="8" name="Rectangle 7">
             <a:extLst>
               <a:ext uri="{FF2B5EF4-FFF2-40B4-BE49-F238E27FC236}">
-                <a16:creationId xmlns="" xmlns:a16="http://schemas.microsoft.com/office/drawing/2014/main" id="{167926A5-F263-44F6-926E-5FC77B5AD600}"/>
+                <a16:creationId xmlns:a16="http://schemas.microsoft.com/office/drawing/2014/main" xmlns="" id="{167926A5-F263-44F6-926E-5FC77B5AD600}"/>
               </a:ext>
             </a:extLst>
           </p:cNvPr>
@@ -7886,7 +7886,7 @@
           </a:ln>
           <a:extLst>
             <a:ext uri="{909E8E84-426E-40DD-AFC4-6F175D3DCCD1}">
-              <a14:hiddenFill xmlns="" xmlns:a14="http://schemas.microsoft.com/office/drawing/2010/main">
+              <a14:hiddenFill xmlns:a14="http://schemas.microsoft.com/office/drawing/2010/main" xmlns="">
                 <a:solidFill>
                   <a:srgbClr val="FFFFFF"/>
                 </a:solidFill>
@@ -8101,7 +8101,7 @@
     </p:spTree>
     <p:extLst>
       <p:ext uri="{BB962C8B-B14F-4D97-AF65-F5344CB8AC3E}">
-        <p14:creationId xmlns="" xmlns:p14="http://schemas.microsoft.com/office/powerpoint/2010/main" val="2755639704"/>
+        <p14:creationId xmlns:p14="http://schemas.microsoft.com/office/powerpoint/2010/main" xmlns="" val="2755639704"/>
       </p:ext>
     </p:extLst>
   </p:cSld>
@@ -8609,7 +8609,7 @@
     </p:spTree>
     <p:extLst>
       <p:ext uri="{BB962C8B-B14F-4D97-AF65-F5344CB8AC3E}">
-        <p14:creationId xmlns="" xmlns:p14="http://schemas.microsoft.com/office/powerpoint/2010/main" val="3646560229"/>
+        <p14:creationId xmlns:p14="http://schemas.microsoft.com/office/powerpoint/2010/main" xmlns="" val="3646560229"/>
       </p:ext>
     </p:extLst>
   </p:cSld>
@@ -9650,7 +9650,7 @@
     </p:spTree>
     <p:extLst>
       <p:ext uri="{BB962C8B-B14F-4D97-AF65-F5344CB8AC3E}">
-        <p14:creationId xmlns="" xmlns:p14="http://schemas.microsoft.com/office/powerpoint/2010/main" val="1075990626"/>
+        <p14:creationId xmlns:p14="http://schemas.microsoft.com/office/powerpoint/2010/main" xmlns="" val="1075990626"/>
       </p:ext>
     </p:extLst>
   </p:cSld>
@@ -9941,7 +9941,7 @@
     </p:spTree>
     <p:extLst>
       <p:ext uri="{BB962C8B-B14F-4D97-AF65-F5344CB8AC3E}">
-        <p14:creationId xmlns="" xmlns:p14="http://schemas.microsoft.com/office/powerpoint/2010/main" val="1619328444"/>
+        <p14:creationId xmlns:p14="http://schemas.microsoft.com/office/powerpoint/2010/main" xmlns="" val="1619328444"/>
       </p:ext>
     </p:extLst>
   </p:cSld>
@@ -11158,7 +11158,7 @@
           <p:cNvPr id="7" name="Line 4">
             <a:extLst>
               <a:ext uri="{FF2B5EF4-FFF2-40B4-BE49-F238E27FC236}">
-                <a16:creationId xmlns="" xmlns:a16="http://schemas.microsoft.com/office/drawing/2014/main" id="{BC0CF8BF-BC95-46DC-BECD-1B32617D0B4C}"/>
+                <a16:creationId xmlns:a16="http://schemas.microsoft.com/office/drawing/2014/main" xmlns="" id="{BC0CF8BF-BC95-46DC-BECD-1B32617D0B4C}"/>
               </a:ext>
             </a:extLst>
           </p:cNvPr>
@@ -11186,7 +11186,7 @@
           </a:ln>
           <a:extLst>
             <a:ext uri="{909E8E84-426E-40DD-AFC4-6F175D3DCCD1}">
-              <a14:hiddenFill xmlns="" xmlns:a14="http://schemas.microsoft.com/office/drawing/2010/main">
+              <a14:hiddenFill xmlns:a14="http://schemas.microsoft.com/office/drawing/2010/main" xmlns="">
                 <a:noFill/>
               </a14:hiddenFill>
             </a:ext>
@@ -11205,7 +11205,7 @@
           <p:cNvPr id="8" name="Text Box 5">
             <a:extLst>
               <a:ext uri="{FF2B5EF4-FFF2-40B4-BE49-F238E27FC236}">
-                <a16:creationId xmlns="" xmlns:a16="http://schemas.microsoft.com/office/drawing/2014/main" id="{9B0EB633-0D8A-479E-BBA2-8F7FAC3E730D}"/>
+                <a16:creationId xmlns:a16="http://schemas.microsoft.com/office/drawing/2014/main" xmlns="" id="{9B0EB633-0D8A-479E-BBA2-8F7FAC3E730D}"/>
               </a:ext>
             </a:extLst>
           </p:cNvPr>
@@ -11228,14 +11228,14 @@
           </a:ln>
           <a:extLst>
             <a:ext uri="{909E8E84-426E-40DD-AFC4-6F175D3DCCD1}">
-              <a14:hiddenFill xmlns="" xmlns:a14="http://schemas.microsoft.com/office/drawing/2010/main">
+              <a14:hiddenFill xmlns:a14="http://schemas.microsoft.com/office/drawing/2010/main" xmlns="">
                 <a:solidFill>
                   <a:srgbClr val="FFFFFF"/>
                 </a:solidFill>
               </a14:hiddenFill>
             </a:ext>
             <a:ext uri="{91240B29-F687-4F45-9708-019B960494DF}">
-              <a14:hiddenLine xmlns="" xmlns:a14="http://schemas.microsoft.com/office/drawing/2010/main" w="12700" cap="sq">
+              <a14:hiddenLine xmlns:a14="http://schemas.microsoft.com/office/drawing/2010/main" xmlns="" w="12700" cap="sq">
                 <a:solidFill>
                   <a:srgbClr val="000000"/>
                 </a:solidFill>
@@ -11372,7 +11372,7 @@
           <p:cNvPr id="9" name="Line 6">
             <a:extLst>
               <a:ext uri="{FF2B5EF4-FFF2-40B4-BE49-F238E27FC236}">
-                <a16:creationId xmlns="" xmlns:a16="http://schemas.microsoft.com/office/drawing/2014/main" id="{7F244300-1294-471D-B3B1-615E851483B4}"/>
+                <a16:creationId xmlns:a16="http://schemas.microsoft.com/office/drawing/2014/main" xmlns="" id="{7F244300-1294-471D-B3B1-615E851483B4}"/>
               </a:ext>
             </a:extLst>
           </p:cNvPr>
@@ -11400,7 +11400,7 @@
           </a:ln>
           <a:extLst>
             <a:ext uri="{909E8E84-426E-40DD-AFC4-6F175D3DCCD1}">
-              <a14:hiddenFill xmlns="" xmlns:a14="http://schemas.microsoft.com/office/drawing/2010/main">
+              <a14:hiddenFill xmlns:a14="http://schemas.microsoft.com/office/drawing/2010/main" xmlns="">
                 <a:noFill/>
               </a14:hiddenFill>
             </a:ext>
@@ -11419,7 +11419,7 @@
           <p:cNvPr id="11" name="Line 7">
             <a:extLst>
               <a:ext uri="{FF2B5EF4-FFF2-40B4-BE49-F238E27FC236}">
-                <a16:creationId xmlns="" xmlns:a16="http://schemas.microsoft.com/office/drawing/2014/main" id="{240A3993-D820-48A8-9914-EF06B0B6ECC7}"/>
+                <a16:creationId xmlns:a16="http://schemas.microsoft.com/office/drawing/2014/main" xmlns="" id="{240A3993-D820-48A8-9914-EF06B0B6ECC7}"/>
               </a:ext>
             </a:extLst>
           </p:cNvPr>
@@ -11447,7 +11447,7 @@
           </a:ln>
           <a:extLst>
             <a:ext uri="{909E8E84-426E-40DD-AFC4-6F175D3DCCD1}">
-              <a14:hiddenFill xmlns="" xmlns:a14="http://schemas.microsoft.com/office/drawing/2010/main">
+              <a14:hiddenFill xmlns:a14="http://schemas.microsoft.com/office/drawing/2010/main" xmlns="">
                 <a:noFill/>
               </a14:hiddenFill>
             </a:ext>
@@ -11464,7 +11464,7 @@
     </p:spTree>
     <p:extLst>
       <p:ext uri="{BB962C8B-B14F-4D97-AF65-F5344CB8AC3E}">
-        <p14:creationId xmlns="" xmlns:p14="http://schemas.microsoft.com/office/powerpoint/2010/main" val="2558504939"/>
+        <p14:creationId xmlns:p14="http://schemas.microsoft.com/office/powerpoint/2010/main" xmlns="" val="2558504939"/>
       </p:ext>
     </p:extLst>
   </p:cSld>
@@ -12107,318 +12107,10 @@
           </a:p>
         </p:txBody>
       </p:sp>
-      <p:sp>
-        <p:nvSpPr>
-          <p:cNvPr id="7" name="Line 4">
-            <a:extLst>
-              <a:ext uri="{FF2B5EF4-FFF2-40B4-BE49-F238E27FC236}">
-                <a16:creationId xmlns="" xmlns:a16="http://schemas.microsoft.com/office/drawing/2014/main" id="{BC0CF8BF-BC95-46DC-BECD-1B32617D0B4C}"/>
-              </a:ext>
-            </a:extLst>
-          </p:cNvPr>
-          <p:cNvSpPr>
-            <a:spLocks noChangeShapeType="1"/>
-          </p:cNvSpPr>
-          <p:nvPr/>
-        </p:nvSpPr>
-        <p:spPr bwMode="auto">
-          <a:xfrm flipH="1">
-            <a:off x="4567084" y="2136058"/>
-            <a:ext cx="1600200" cy="0"/>
-          </a:xfrm>
-          <a:prstGeom prst="line">
-            <a:avLst/>
-          </a:prstGeom>
-          <a:noFill/>
-          <a:ln w="28575" cap="sq">
-            <a:solidFill>
-              <a:srgbClr val="FF0000"/>
-            </a:solidFill>
-            <a:round/>
-            <a:headEnd type="none" w="sm" len="sm"/>
-            <a:tailEnd type="triangle" w="sm" len="sm"/>
-          </a:ln>
-          <a:extLst>
-            <a:ext uri="{909E8E84-426E-40DD-AFC4-6F175D3DCCD1}">
-              <a14:hiddenFill xmlns="" xmlns:a14="http://schemas.microsoft.com/office/drawing/2010/main">
-                <a:noFill/>
-              </a14:hiddenFill>
-            </a:ext>
-          </a:extLst>
-        </p:spPr>
-        <p:txBody>
-          <a:bodyPr wrap="none" anchor="ctr"/>
-          <a:lstStyle/>
-          <a:p>
-            <a:endParaRPr lang="en-CA"/>
-          </a:p>
-        </p:txBody>
-      </p:sp>
-      <p:sp>
-        <p:nvSpPr>
-          <p:cNvPr id="8" name="Text Box 5">
-            <a:extLst>
-              <a:ext uri="{FF2B5EF4-FFF2-40B4-BE49-F238E27FC236}">
-                <a16:creationId xmlns="" xmlns:a16="http://schemas.microsoft.com/office/drawing/2014/main" id="{9B0EB633-0D8A-479E-BBA2-8F7FAC3E730D}"/>
-              </a:ext>
-            </a:extLst>
-          </p:cNvPr>
-          <p:cNvSpPr txBox="1">
-            <a:spLocks noChangeArrowheads="1"/>
-          </p:cNvSpPr>
-          <p:nvPr/>
-        </p:nvSpPr>
-        <p:spPr bwMode="auto">
-          <a:xfrm>
-            <a:off x="6167284" y="1907458"/>
-            <a:ext cx="1647825" cy="457200"/>
-          </a:xfrm>
-          <a:prstGeom prst="rect">
-            <a:avLst/>
-          </a:prstGeom>
-          <a:noFill/>
-          <a:ln>
-            <a:noFill/>
-          </a:ln>
-          <a:extLst>
-            <a:ext uri="{909E8E84-426E-40DD-AFC4-6F175D3DCCD1}">
-              <a14:hiddenFill xmlns="" xmlns:a14="http://schemas.microsoft.com/office/drawing/2010/main">
-                <a:solidFill>
-                  <a:srgbClr val="FFFFFF"/>
-                </a:solidFill>
-              </a14:hiddenFill>
-            </a:ext>
-            <a:ext uri="{91240B29-F687-4F45-9708-019B960494DF}">
-              <a14:hiddenLine xmlns="" xmlns:a14="http://schemas.microsoft.com/office/drawing/2010/main" w="12700" cap="sq">
-                <a:solidFill>
-                  <a:srgbClr val="000000"/>
-                </a:solidFill>
-                <a:miter lim="800000"/>
-                <a:headEnd type="none" w="sm" len="sm"/>
-                <a:tailEnd type="none" w="sm" len="sm"/>
-              </a14:hiddenLine>
-            </a:ext>
-          </a:extLst>
-        </p:spPr>
-        <p:txBody>
-          <a:bodyPr wrap="none">
-            <a:spAutoFit/>
-          </a:bodyPr>
-          <a:lstStyle>
-            <a:lvl1pPr>
-              <a:defRPr sz="2400">
-                <a:solidFill>
-                  <a:schemeClr val="tx1"/>
-                </a:solidFill>
-                <a:latin typeface="Times New Roman" panose="02020603050405020304" pitchFamily="18" charset="0"/>
-                <a:ea typeface="ＭＳ Ｐゴシック" panose="020B0600070205080204" pitchFamily="34" charset="-128"/>
-              </a:defRPr>
-            </a:lvl1pPr>
-            <a:lvl2pPr marL="37931725" indent="-37474525">
-              <a:defRPr sz="2400">
-                <a:solidFill>
-                  <a:schemeClr val="tx1"/>
-                </a:solidFill>
-                <a:latin typeface="Times New Roman" panose="02020603050405020304" pitchFamily="18" charset="0"/>
-                <a:ea typeface="ＭＳ Ｐゴシック" panose="020B0600070205080204" pitchFamily="34" charset="-128"/>
-              </a:defRPr>
-            </a:lvl2pPr>
-            <a:lvl3pPr>
-              <a:defRPr sz="2400">
-                <a:solidFill>
-                  <a:schemeClr val="tx1"/>
-                </a:solidFill>
-                <a:latin typeface="Times New Roman" panose="02020603050405020304" pitchFamily="18" charset="0"/>
-                <a:ea typeface="ＭＳ Ｐゴシック" panose="020B0600070205080204" pitchFamily="34" charset="-128"/>
-              </a:defRPr>
-            </a:lvl3pPr>
-            <a:lvl4pPr>
-              <a:defRPr sz="2400">
-                <a:solidFill>
-                  <a:schemeClr val="tx1"/>
-                </a:solidFill>
-                <a:latin typeface="Times New Roman" panose="02020603050405020304" pitchFamily="18" charset="0"/>
-                <a:ea typeface="ＭＳ Ｐゴシック" panose="020B0600070205080204" pitchFamily="34" charset="-128"/>
-              </a:defRPr>
-            </a:lvl4pPr>
-            <a:lvl5pPr>
-              <a:defRPr sz="2400">
-                <a:solidFill>
-                  <a:schemeClr val="tx1"/>
-                </a:solidFill>
-                <a:latin typeface="Times New Roman" panose="02020603050405020304" pitchFamily="18" charset="0"/>
-                <a:ea typeface="ＭＳ Ｐゴシック" panose="020B0600070205080204" pitchFamily="34" charset="-128"/>
-              </a:defRPr>
-            </a:lvl5pPr>
-            <a:lvl6pPr marL="457200" eaLnBrk="0" fontAlgn="base" hangingPunct="0">
-              <a:spcBef>
-                <a:spcPct val="0"/>
-              </a:spcBef>
-              <a:spcAft>
-                <a:spcPct val="0"/>
-              </a:spcAft>
-              <a:defRPr sz="2400">
-                <a:solidFill>
-                  <a:schemeClr val="tx1"/>
-                </a:solidFill>
-                <a:latin typeface="Times New Roman" panose="02020603050405020304" pitchFamily="18" charset="0"/>
-                <a:ea typeface="ＭＳ Ｐゴシック" panose="020B0600070205080204" pitchFamily="34" charset="-128"/>
-              </a:defRPr>
-            </a:lvl6pPr>
-            <a:lvl7pPr marL="914400" eaLnBrk="0" fontAlgn="base" hangingPunct="0">
-              <a:spcBef>
-                <a:spcPct val="0"/>
-              </a:spcBef>
-              <a:spcAft>
-                <a:spcPct val="0"/>
-              </a:spcAft>
-              <a:defRPr sz="2400">
-                <a:solidFill>
-                  <a:schemeClr val="tx1"/>
-                </a:solidFill>
-                <a:latin typeface="Times New Roman" panose="02020603050405020304" pitchFamily="18" charset="0"/>
-                <a:ea typeface="ＭＳ Ｐゴシック" panose="020B0600070205080204" pitchFamily="34" charset="-128"/>
-              </a:defRPr>
-            </a:lvl7pPr>
-            <a:lvl8pPr marL="1371600" eaLnBrk="0" fontAlgn="base" hangingPunct="0">
-              <a:spcBef>
-                <a:spcPct val="0"/>
-              </a:spcBef>
-              <a:spcAft>
-                <a:spcPct val="0"/>
-              </a:spcAft>
-              <a:defRPr sz="2400">
-                <a:solidFill>
-                  <a:schemeClr val="tx1"/>
-                </a:solidFill>
-                <a:latin typeface="Times New Roman" panose="02020603050405020304" pitchFamily="18" charset="0"/>
-                <a:ea typeface="ＭＳ Ｐゴシック" panose="020B0600070205080204" pitchFamily="34" charset="-128"/>
-              </a:defRPr>
-            </a:lvl8pPr>
-            <a:lvl9pPr marL="1828800" eaLnBrk="0" fontAlgn="base" hangingPunct="0">
-              <a:spcBef>
-                <a:spcPct val="0"/>
-              </a:spcBef>
-              <a:spcAft>
-                <a:spcPct val="0"/>
-              </a:spcAft>
-              <a:defRPr sz="2400">
-                <a:solidFill>
-                  <a:schemeClr val="tx1"/>
-                </a:solidFill>
-                <a:latin typeface="Times New Roman" panose="02020603050405020304" pitchFamily="18" charset="0"/>
-                <a:ea typeface="ＭＳ Ｐゴシック" panose="020B0600070205080204" pitchFamily="34" charset="-128"/>
-              </a:defRPr>
-            </a:lvl9pPr>
-          </a:lstStyle>
-          <a:p>
-            <a:r>
-              <a:rPr lang="en-US" altLang="en-US">
-                <a:latin typeface="Times" panose="02020603050405020304" pitchFamily="18" charset="0"/>
-              </a:rPr>
-              <a:t>Target class</a:t>
-            </a:r>
-          </a:p>
-        </p:txBody>
-      </p:sp>
-      <p:sp>
-        <p:nvSpPr>
-          <p:cNvPr id="9" name="Line 6">
-            <a:extLst>
-              <a:ext uri="{FF2B5EF4-FFF2-40B4-BE49-F238E27FC236}">
-                <a16:creationId xmlns="" xmlns:a16="http://schemas.microsoft.com/office/drawing/2014/main" id="{7F244300-1294-471D-B3B1-615E851483B4}"/>
-              </a:ext>
-            </a:extLst>
-          </p:cNvPr>
-          <p:cNvSpPr>
-            <a:spLocks noChangeShapeType="1"/>
-          </p:cNvSpPr>
-          <p:nvPr/>
-        </p:nvSpPr>
-        <p:spPr bwMode="auto">
-          <a:xfrm flipH="1">
-            <a:off x="3424084" y="3050458"/>
-            <a:ext cx="2057400" cy="0"/>
-          </a:xfrm>
-          <a:prstGeom prst="line">
-            <a:avLst/>
-          </a:prstGeom>
-          <a:noFill/>
-          <a:ln w="28575" cap="sq">
-            <a:solidFill>
-              <a:srgbClr val="FF0000"/>
-            </a:solidFill>
-            <a:round/>
-            <a:headEnd type="none" w="sm" len="sm"/>
-            <a:tailEnd type="triangle" w="sm" len="sm"/>
-          </a:ln>
-          <a:extLst>
-            <a:ext uri="{909E8E84-426E-40DD-AFC4-6F175D3DCCD1}">
-              <a14:hiddenFill xmlns="" xmlns:a14="http://schemas.microsoft.com/office/drawing/2010/main">
-                <a:noFill/>
-              </a14:hiddenFill>
-            </a:ext>
-          </a:extLst>
-        </p:spPr>
-        <p:txBody>
-          <a:bodyPr wrap="none" anchor="ctr"/>
-          <a:lstStyle/>
-          <a:p>
-            <a:endParaRPr lang="en-CA"/>
-          </a:p>
-        </p:txBody>
-      </p:sp>
-      <p:sp>
-        <p:nvSpPr>
-          <p:cNvPr id="11" name="Line 7">
-            <a:extLst>
-              <a:ext uri="{FF2B5EF4-FFF2-40B4-BE49-F238E27FC236}">
-                <a16:creationId xmlns="" xmlns:a16="http://schemas.microsoft.com/office/drawing/2014/main" id="{240A3993-D820-48A8-9914-EF06B0B6ECC7}"/>
-              </a:ext>
-            </a:extLst>
-          </p:cNvPr>
-          <p:cNvSpPr>
-            <a:spLocks noChangeShapeType="1"/>
-          </p:cNvSpPr>
-          <p:nvPr/>
-        </p:nvSpPr>
-        <p:spPr bwMode="auto">
-          <a:xfrm flipH="1">
-            <a:off x="4948084" y="3355258"/>
-            <a:ext cx="609600" cy="0"/>
-          </a:xfrm>
-          <a:prstGeom prst="line">
-            <a:avLst/>
-          </a:prstGeom>
-          <a:noFill/>
-          <a:ln w="28575" cap="sq">
-            <a:solidFill>
-              <a:srgbClr val="FF0000"/>
-            </a:solidFill>
-            <a:round/>
-            <a:headEnd type="none" w="sm" len="sm"/>
-            <a:tailEnd type="triangle" w="sm" len="sm"/>
-          </a:ln>
-          <a:extLst>
-            <a:ext uri="{909E8E84-426E-40DD-AFC4-6F175D3DCCD1}">
-              <a14:hiddenFill xmlns="" xmlns:a14="http://schemas.microsoft.com/office/drawing/2010/main">
-                <a:noFill/>
-              </a14:hiddenFill>
-            </a:ext>
-          </a:extLst>
-        </p:spPr>
-        <p:txBody>
-          <a:bodyPr wrap="none" anchor="ctr"/>
-          <a:lstStyle/>
-          <a:p>
-            <a:endParaRPr lang="en-CA"/>
-          </a:p>
-        </p:txBody>
-      </p:sp>
     </p:spTree>
     <p:extLst>
       <p:ext uri="{BB962C8B-B14F-4D97-AF65-F5344CB8AC3E}">
-        <p14:creationId xmlns="" xmlns:p14="http://schemas.microsoft.com/office/powerpoint/2010/main" val="2046297229"/>
+        <p14:creationId xmlns:p14="http://schemas.microsoft.com/office/powerpoint/2010/main" xmlns="" val="2046297229"/>
       </p:ext>
     </p:extLst>
   </p:cSld>
@@ -13308,318 +13000,10 @@
           </a:p>
         </p:txBody>
       </p:sp>
-      <p:sp>
-        <p:nvSpPr>
-          <p:cNvPr id="7" name="Line 4">
-            <a:extLst>
-              <a:ext uri="{FF2B5EF4-FFF2-40B4-BE49-F238E27FC236}">
-                <a16:creationId xmlns="" xmlns:a16="http://schemas.microsoft.com/office/drawing/2014/main" id="{BC0CF8BF-BC95-46DC-BECD-1B32617D0B4C}"/>
-              </a:ext>
-            </a:extLst>
-          </p:cNvPr>
-          <p:cNvSpPr>
-            <a:spLocks noChangeShapeType="1"/>
-          </p:cNvSpPr>
-          <p:nvPr/>
-        </p:nvSpPr>
-        <p:spPr bwMode="auto">
-          <a:xfrm flipH="1">
-            <a:off x="4567084" y="2136058"/>
-            <a:ext cx="1600200" cy="0"/>
-          </a:xfrm>
-          <a:prstGeom prst="line">
-            <a:avLst/>
-          </a:prstGeom>
-          <a:noFill/>
-          <a:ln w="28575" cap="sq">
-            <a:solidFill>
-              <a:srgbClr val="FF0000"/>
-            </a:solidFill>
-            <a:round/>
-            <a:headEnd type="none" w="sm" len="sm"/>
-            <a:tailEnd type="triangle" w="sm" len="sm"/>
-          </a:ln>
-          <a:extLst>
-            <a:ext uri="{909E8E84-426E-40DD-AFC4-6F175D3DCCD1}">
-              <a14:hiddenFill xmlns="" xmlns:a14="http://schemas.microsoft.com/office/drawing/2010/main">
-                <a:noFill/>
-              </a14:hiddenFill>
-            </a:ext>
-          </a:extLst>
-        </p:spPr>
-        <p:txBody>
-          <a:bodyPr wrap="none" anchor="ctr"/>
-          <a:lstStyle/>
-          <a:p>
-            <a:endParaRPr lang="en-CA"/>
-          </a:p>
-        </p:txBody>
-      </p:sp>
-      <p:sp>
-        <p:nvSpPr>
-          <p:cNvPr id="8" name="Text Box 5">
-            <a:extLst>
-              <a:ext uri="{FF2B5EF4-FFF2-40B4-BE49-F238E27FC236}">
-                <a16:creationId xmlns="" xmlns:a16="http://schemas.microsoft.com/office/drawing/2014/main" id="{9B0EB633-0D8A-479E-BBA2-8F7FAC3E730D}"/>
-              </a:ext>
-            </a:extLst>
-          </p:cNvPr>
-          <p:cNvSpPr txBox="1">
-            <a:spLocks noChangeArrowheads="1"/>
-          </p:cNvSpPr>
-          <p:nvPr/>
-        </p:nvSpPr>
-        <p:spPr bwMode="auto">
-          <a:xfrm>
-            <a:off x="6167284" y="1907458"/>
-            <a:ext cx="1647825" cy="457200"/>
-          </a:xfrm>
-          <a:prstGeom prst="rect">
-            <a:avLst/>
-          </a:prstGeom>
-          <a:noFill/>
-          <a:ln>
-            <a:noFill/>
-          </a:ln>
-          <a:extLst>
-            <a:ext uri="{909E8E84-426E-40DD-AFC4-6F175D3DCCD1}">
-              <a14:hiddenFill xmlns="" xmlns:a14="http://schemas.microsoft.com/office/drawing/2010/main">
-                <a:solidFill>
-                  <a:srgbClr val="FFFFFF"/>
-                </a:solidFill>
-              </a14:hiddenFill>
-            </a:ext>
-            <a:ext uri="{91240B29-F687-4F45-9708-019B960494DF}">
-              <a14:hiddenLine xmlns="" xmlns:a14="http://schemas.microsoft.com/office/drawing/2010/main" w="12700" cap="sq">
-                <a:solidFill>
-                  <a:srgbClr val="000000"/>
-                </a:solidFill>
-                <a:miter lim="800000"/>
-                <a:headEnd type="none" w="sm" len="sm"/>
-                <a:tailEnd type="none" w="sm" len="sm"/>
-              </a14:hiddenLine>
-            </a:ext>
-          </a:extLst>
-        </p:spPr>
-        <p:txBody>
-          <a:bodyPr wrap="none">
-            <a:spAutoFit/>
-          </a:bodyPr>
-          <a:lstStyle>
-            <a:lvl1pPr>
-              <a:defRPr sz="2400">
-                <a:solidFill>
-                  <a:schemeClr val="tx1"/>
-                </a:solidFill>
-                <a:latin typeface="Times New Roman" panose="02020603050405020304" pitchFamily="18" charset="0"/>
-                <a:ea typeface="ＭＳ Ｐゴシック" panose="020B0600070205080204" pitchFamily="34" charset="-128"/>
-              </a:defRPr>
-            </a:lvl1pPr>
-            <a:lvl2pPr marL="37931725" indent="-37474525">
-              <a:defRPr sz="2400">
-                <a:solidFill>
-                  <a:schemeClr val="tx1"/>
-                </a:solidFill>
-                <a:latin typeface="Times New Roman" panose="02020603050405020304" pitchFamily="18" charset="0"/>
-                <a:ea typeface="ＭＳ Ｐゴシック" panose="020B0600070205080204" pitchFamily="34" charset="-128"/>
-              </a:defRPr>
-            </a:lvl2pPr>
-            <a:lvl3pPr>
-              <a:defRPr sz="2400">
-                <a:solidFill>
-                  <a:schemeClr val="tx1"/>
-                </a:solidFill>
-                <a:latin typeface="Times New Roman" panose="02020603050405020304" pitchFamily="18" charset="0"/>
-                <a:ea typeface="ＭＳ Ｐゴシック" panose="020B0600070205080204" pitchFamily="34" charset="-128"/>
-              </a:defRPr>
-            </a:lvl3pPr>
-            <a:lvl4pPr>
-              <a:defRPr sz="2400">
-                <a:solidFill>
-                  <a:schemeClr val="tx1"/>
-                </a:solidFill>
-                <a:latin typeface="Times New Roman" panose="02020603050405020304" pitchFamily="18" charset="0"/>
-                <a:ea typeface="ＭＳ Ｐゴシック" panose="020B0600070205080204" pitchFamily="34" charset="-128"/>
-              </a:defRPr>
-            </a:lvl4pPr>
-            <a:lvl5pPr>
-              <a:defRPr sz="2400">
-                <a:solidFill>
-                  <a:schemeClr val="tx1"/>
-                </a:solidFill>
-                <a:latin typeface="Times New Roman" panose="02020603050405020304" pitchFamily="18" charset="0"/>
-                <a:ea typeface="ＭＳ Ｐゴシック" panose="020B0600070205080204" pitchFamily="34" charset="-128"/>
-              </a:defRPr>
-            </a:lvl5pPr>
-            <a:lvl6pPr marL="457200" eaLnBrk="0" fontAlgn="base" hangingPunct="0">
-              <a:spcBef>
-                <a:spcPct val="0"/>
-              </a:spcBef>
-              <a:spcAft>
-                <a:spcPct val="0"/>
-              </a:spcAft>
-              <a:defRPr sz="2400">
-                <a:solidFill>
-                  <a:schemeClr val="tx1"/>
-                </a:solidFill>
-                <a:latin typeface="Times New Roman" panose="02020603050405020304" pitchFamily="18" charset="0"/>
-                <a:ea typeface="ＭＳ Ｐゴシック" panose="020B0600070205080204" pitchFamily="34" charset="-128"/>
-              </a:defRPr>
-            </a:lvl6pPr>
-            <a:lvl7pPr marL="914400" eaLnBrk="0" fontAlgn="base" hangingPunct="0">
-              <a:spcBef>
-                <a:spcPct val="0"/>
-              </a:spcBef>
-              <a:spcAft>
-                <a:spcPct val="0"/>
-              </a:spcAft>
-              <a:defRPr sz="2400">
-                <a:solidFill>
-                  <a:schemeClr val="tx1"/>
-                </a:solidFill>
-                <a:latin typeface="Times New Roman" panose="02020603050405020304" pitchFamily="18" charset="0"/>
-                <a:ea typeface="ＭＳ Ｐゴシック" panose="020B0600070205080204" pitchFamily="34" charset="-128"/>
-              </a:defRPr>
-            </a:lvl7pPr>
-            <a:lvl8pPr marL="1371600" eaLnBrk="0" fontAlgn="base" hangingPunct="0">
-              <a:spcBef>
-                <a:spcPct val="0"/>
-              </a:spcBef>
-              <a:spcAft>
-                <a:spcPct val="0"/>
-              </a:spcAft>
-              <a:defRPr sz="2400">
-                <a:solidFill>
-                  <a:schemeClr val="tx1"/>
-                </a:solidFill>
-                <a:latin typeface="Times New Roman" panose="02020603050405020304" pitchFamily="18" charset="0"/>
-                <a:ea typeface="ＭＳ Ｐゴシック" panose="020B0600070205080204" pitchFamily="34" charset="-128"/>
-              </a:defRPr>
-            </a:lvl8pPr>
-            <a:lvl9pPr marL="1828800" eaLnBrk="0" fontAlgn="base" hangingPunct="0">
-              <a:spcBef>
-                <a:spcPct val="0"/>
-              </a:spcBef>
-              <a:spcAft>
-                <a:spcPct val="0"/>
-              </a:spcAft>
-              <a:defRPr sz="2400">
-                <a:solidFill>
-                  <a:schemeClr val="tx1"/>
-                </a:solidFill>
-                <a:latin typeface="Times New Roman" panose="02020603050405020304" pitchFamily="18" charset="0"/>
-                <a:ea typeface="ＭＳ Ｐゴシック" panose="020B0600070205080204" pitchFamily="34" charset="-128"/>
-              </a:defRPr>
-            </a:lvl9pPr>
-          </a:lstStyle>
-          <a:p>
-            <a:r>
-              <a:rPr lang="en-US" altLang="en-US">
-                <a:latin typeface="Times" panose="02020603050405020304" pitchFamily="18" charset="0"/>
-              </a:rPr>
-              <a:t>Target class</a:t>
-            </a:r>
-          </a:p>
-        </p:txBody>
-      </p:sp>
-      <p:sp>
-        <p:nvSpPr>
-          <p:cNvPr id="9" name="Line 6">
-            <a:extLst>
-              <a:ext uri="{FF2B5EF4-FFF2-40B4-BE49-F238E27FC236}">
-                <a16:creationId xmlns="" xmlns:a16="http://schemas.microsoft.com/office/drawing/2014/main" id="{7F244300-1294-471D-B3B1-615E851483B4}"/>
-              </a:ext>
-            </a:extLst>
-          </p:cNvPr>
-          <p:cNvSpPr>
-            <a:spLocks noChangeShapeType="1"/>
-          </p:cNvSpPr>
-          <p:nvPr/>
-        </p:nvSpPr>
-        <p:spPr bwMode="auto">
-          <a:xfrm flipH="1">
-            <a:off x="3424084" y="3050458"/>
-            <a:ext cx="2057400" cy="0"/>
-          </a:xfrm>
-          <a:prstGeom prst="line">
-            <a:avLst/>
-          </a:prstGeom>
-          <a:noFill/>
-          <a:ln w="28575" cap="sq">
-            <a:solidFill>
-              <a:srgbClr val="FF0000"/>
-            </a:solidFill>
-            <a:round/>
-            <a:headEnd type="none" w="sm" len="sm"/>
-            <a:tailEnd type="triangle" w="sm" len="sm"/>
-          </a:ln>
-          <a:extLst>
-            <a:ext uri="{909E8E84-426E-40DD-AFC4-6F175D3DCCD1}">
-              <a14:hiddenFill xmlns="" xmlns:a14="http://schemas.microsoft.com/office/drawing/2010/main">
-                <a:noFill/>
-              </a14:hiddenFill>
-            </a:ext>
-          </a:extLst>
-        </p:spPr>
-        <p:txBody>
-          <a:bodyPr wrap="none" anchor="ctr"/>
-          <a:lstStyle/>
-          <a:p>
-            <a:endParaRPr lang="en-CA"/>
-          </a:p>
-        </p:txBody>
-      </p:sp>
-      <p:sp>
-        <p:nvSpPr>
-          <p:cNvPr id="11" name="Line 7">
-            <a:extLst>
-              <a:ext uri="{FF2B5EF4-FFF2-40B4-BE49-F238E27FC236}">
-                <a16:creationId xmlns="" xmlns:a16="http://schemas.microsoft.com/office/drawing/2014/main" id="{240A3993-D820-48A8-9914-EF06B0B6ECC7}"/>
-              </a:ext>
-            </a:extLst>
-          </p:cNvPr>
-          <p:cNvSpPr>
-            <a:spLocks noChangeShapeType="1"/>
-          </p:cNvSpPr>
-          <p:nvPr/>
-        </p:nvSpPr>
-        <p:spPr bwMode="auto">
-          <a:xfrm flipH="1">
-            <a:off x="4948084" y="3355258"/>
-            <a:ext cx="609600" cy="0"/>
-          </a:xfrm>
-          <a:prstGeom prst="line">
-            <a:avLst/>
-          </a:prstGeom>
-          <a:noFill/>
-          <a:ln w="28575" cap="sq">
-            <a:solidFill>
-              <a:srgbClr val="FF0000"/>
-            </a:solidFill>
-            <a:round/>
-            <a:headEnd type="none" w="sm" len="sm"/>
-            <a:tailEnd type="triangle" w="sm" len="sm"/>
-          </a:ln>
-          <a:extLst>
-            <a:ext uri="{909E8E84-426E-40DD-AFC4-6F175D3DCCD1}">
-              <a14:hiddenFill xmlns="" xmlns:a14="http://schemas.microsoft.com/office/drawing/2010/main">
-                <a:noFill/>
-              </a14:hiddenFill>
-            </a:ext>
-          </a:extLst>
-        </p:spPr>
-        <p:txBody>
-          <a:bodyPr wrap="none" anchor="ctr"/>
-          <a:lstStyle/>
-          <a:p>
-            <a:endParaRPr lang="en-CA"/>
-          </a:p>
-        </p:txBody>
-      </p:sp>
     </p:spTree>
     <p:extLst>
       <p:ext uri="{BB962C8B-B14F-4D97-AF65-F5344CB8AC3E}">
-        <p14:creationId xmlns="" xmlns:p14="http://schemas.microsoft.com/office/powerpoint/2010/main" val="3364538797"/>
+        <p14:creationId xmlns:p14="http://schemas.microsoft.com/office/powerpoint/2010/main" xmlns="" val="3364538797"/>
       </p:ext>
     </p:extLst>
   </p:cSld>
@@ -14743,318 +14127,10 @@
       </p:sp>
       <p:sp>
         <p:nvSpPr>
-          <p:cNvPr id="7" name="Line 4">
-            <a:extLst>
-              <a:ext uri="{FF2B5EF4-FFF2-40B4-BE49-F238E27FC236}">
-                <a16:creationId xmlns="" xmlns:a16="http://schemas.microsoft.com/office/drawing/2014/main" id="{BC0CF8BF-BC95-46DC-BECD-1B32617D0B4C}"/>
-              </a:ext>
-            </a:extLst>
-          </p:cNvPr>
-          <p:cNvSpPr>
-            <a:spLocks noChangeShapeType="1"/>
-          </p:cNvSpPr>
-          <p:nvPr/>
-        </p:nvSpPr>
-        <p:spPr bwMode="auto">
-          <a:xfrm flipH="1">
-            <a:off x="4567084" y="2136058"/>
-            <a:ext cx="1600200" cy="0"/>
-          </a:xfrm>
-          <a:prstGeom prst="line">
-            <a:avLst/>
-          </a:prstGeom>
-          <a:noFill/>
-          <a:ln w="28575" cap="sq">
-            <a:solidFill>
-              <a:srgbClr val="FF0000"/>
-            </a:solidFill>
-            <a:round/>
-            <a:headEnd type="none" w="sm" len="sm"/>
-            <a:tailEnd type="triangle" w="sm" len="sm"/>
-          </a:ln>
-          <a:extLst>
-            <a:ext uri="{909E8E84-426E-40DD-AFC4-6F175D3DCCD1}">
-              <a14:hiddenFill xmlns="" xmlns:a14="http://schemas.microsoft.com/office/drawing/2010/main">
-                <a:noFill/>
-              </a14:hiddenFill>
-            </a:ext>
-          </a:extLst>
-        </p:spPr>
-        <p:txBody>
-          <a:bodyPr wrap="none" anchor="ctr"/>
-          <a:lstStyle/>
-          <a:p>
-            <a:endParaRPr lang="en-CA"/>
-          </a:p>
-        </p:txBody>
-      </p:sp>
-      <p:sp>
-        <p:nvSpPr>
-          <p:cNvPr id="8" name="Text Box 5">
-            <a:extLst>
-              <a:ext uri="{FF2B5EF4-FFF2-40B4-BE49-F238E27FC236}">
-                <a16:creationId xmlns="" xmlns:a16="http://schemas.microsoft.com/office/drawing/2014/main" id="{9B0EB633-0D8A-479E-BBA2-8F7FAC3E730D}"/>
-              </a:ext>
-            </a:extLst>
-          </p:cNvPr>
-          <p:cNvSpPr txBox="1">
-            <a:spLocks noChangeArrowheads="1"/>
-          </p:cNvSpPr>
-          <p:nvPr/>
-        </p:nvSpPr>
-        <p:spPr bwMode="auto">
-          <a:xfrm>
-            <a:off x="6167284" y="1907458"/>
-            <a:ext cx="1647825" cy="457200"/>
-          </a:xfrm>
-          <a:prstGeom prst="rect">
-            <a:avLst/>
-          </a:prstGeom>
-          <a:noFill/>
-          <a:ln>
-            <a:noFill/>
-          </a:ln>
-          <a:extLst>
-            <a:ext uri="{909E8E84-426E-40DD-AFC4-6F175D3DCCD1}">
-              <a14:hiddenFill xmlns="" xmlns:a14="http://schemas.microsoft.com/office/drawing/2010/main">
-                <a:solidFill>
-                  <a:srgbClr val="FFFFFF"/>
-                </a:solidFill>
-              </a14:hiddenFill>
-            </a:ext>
-            <a:ext uri="{91240B29-F687-4F45-9708-019B960494DF}">
-              <a14:hiddenLine xmlns="" xmlns:a14="http://schemas.microsoft.com/office/drawing/2010/main" w="12700" cap="sq">
-                <a:solidFill>
-                  <a:srgbClr val="000000"/>
-                </a:solidFill>
-                <a:miter lim="800000"/>
-                <a:headEnd type="none" w="sm" len="sm"/>
-                <a:tailEnd type="none" w="sm" len="sm"/>
-              </a14:hiddenLine>
-            </a:ext>
-          </a:extLst>
-        </p:spPr>
-        <p:txBody>
-          <a:bodyPr wrap="none">
-            <a:spAutoFit/>
-          </a:bodyPr>
-          <a:lstStyle>
-            <a:lvl1pPr>
-              <a:defRPr sz="2400">
-                <a:solidFill>
-                  <a:schemeClr val="tx1"/>
-                </a:solidFill>
-                <a:latin typeface="Times New Roman" panose="02020603050405020304" pitchFamily="18" charset="0"/>
-                <a:ea typeface="ＭＳ Ｐゴシック" panose="020B0600070205080204" pitchFamily="34" charset="-128"/>
-              </a:defRPr>
-            </a:lvl1pPr>
-            <a:lvl2pPr marL="37931725" indent="-37474525">
-              <a:defRPr sz="2400">
-                <a:solidFill>
-                  <a:schemeClr val="tx1"/>
-                </a:solidFill>
-                <a:latin typeface="Times New Roman" panose="02020603050405020304" pitchFamily="18" charset="0"/>
-                <a:ea typeface="ＭＳ Ｐゴシック" panose="020B0600070205080204" pitchFamily="34" charset="-128"/>
-              </a:defRPr>
-            </a:lvl2pPr>
-            <a:lvl3pPr>
-              <a:defRPr sz="2400">
-                <a:solidFill>
-                  <a:schemeClr val="tx1"/>
-                </a:solidFill>
-                <a:latin typeface="Times New Roman" panose="02020603050405020304" pitchFamily="18" charset="0"/>
-                <a:ea typeface="ＭＳ Ｐゴシック" panose="020B0600070205080204" pitchFamily="34" charset="-128"/>
-              </a:defRPr>
-            </a:lvl3pPr>
-            <a:lvl4pPr>
-              <a:defRPr sz="2400">
-                <a:solidFill>
-                  <a:schemeClr val="tx1"/>
-                </a:solidFill>
-                <a:latin typeface="Times New Roman" panose="02020603050405020304" pitchFamily="18" charset="0"/>
-                <a:ea typeface="ＭＳ Ｐゴシック" panose="020B0600070205080204" pitchFamily="34" charset="-128"/>
-              </a:defRPr>
-            </a:lvl4pPr>
-            <a:lvl5pPr>
-              <a:defRPr sz="2400">
-                <a:solidFill>
-                  <a:schemeClr val="tx1"/>
-                </a:solidFill>
-                <a:latin typeface="Times New Roman" panose="02020603050405020304" pitchFamily="18" charset="0"/>
-                <a:ea typeface="ＭＳ Ｐゴシック" panose="020B0600070205080204" pitchFamily="34" charset="-128"/>
-              </a:defRPr>
-            </a:lvl5pPr>
-            <a:lvl6pPr marL="457200" eaLnBrk="0" fontAlgn="base" hangingPunct="0">
-              <a:spcBef>
-                <a:spcPct val="0"/>
-              </a:spcBef>
-              <a:spcAft>
-                <a:spcPct val="0"/>
-              </a:spcAft>
-              <a:defRPr sz="2400">
-                <a:solidFill>
-                  <a:schemeClr val="tx1"/>
-                </a:solidFill>
-                <a:latin typeface="Times New Roman" panose="02020603050405020304" pitchFamily="18" charset="0"/>
-                <a:ea typeface="ＭＳ Ｐゴシック" panose="020B0600070205080204" pitchFamily="34" charset="-128"/>
-              </a:defRPr>
-            </a:lvl6pPr>
-            <a:lvl7pPr marL="914400" eaLnBrk="0" fontAlgn="base" hangingPunct="0">
-              <a:spcBef>
-                <a:spcPct val="0"/>
-              </a:spcBef>
-              <a:spcAft>
-                <a:spcPct val="0"/>
-              </a:spcAft>
-              <a:defRPr sz="2400">
-                <a:solidFill>
-                  <a:schemeClr val="tx1"/>
-                </a:solidFill>
-                <a:latin typeface="Times New Roman" panose="02020603050405020304" pitchFamily="18" charset="0"/>
-                <a:ea typeface="ＭＳ Ｐゴシック" panose="020B0600070205080204" pitchFamily="34" charset="-128"/>
-              </a:defRPr>
-            </a:lvl7pPr>
-            <a:lvl8pPr marL="1371600" eaLnBrk="0" fontAlgn="base" hangingPunct="0">
-              <a:spcBef>
-                <a:spcPct val="0"/>
-              </a:spcBef>
-              <a:spcAft>
-                <a:spcPct val="0"/>
-              </a:spcAft>
-              <a:defRPr sz="2400">
-                <a:solidFill>
-                  <a:schemeClr val="tx1"/>
-                </a:solidFill>
-                <a:latin typeface="Times New Roman" panose="02020603050405020304" pitchFamily="18" charset="0"/>
-                <a:ea typeface="ＭＳ Ｐゴシック" panose="020B0600070205080204" pitchFamily="34" charset="-128"/>
-              </a:defRPr>
-            </a:lvl8pPr>
-            <a:lvl9pPr marL="1828800" eaLnBrk="0" fontAlgn="base" hangingPunct="0">
-              <a:spcBef>
-                <a:spcPct val="0"/>
-              </a:spcBef>
-              <a:spcAft>
-                <a:spcPct val="0"/>
-              </a:spcAft>
-              <a:defRPr sz="2400">
-                <a:solidFill>
-                  <a:schemeClr val="tx1"/>
-                </a:solidFill>
-                <a:latin typeface="Times New Roman" panose="02020603050405020304" pitchFamily="18" charset="0"/>
-                <a:ea typeface="ＭＳ Ｐゴシック" panose="020B0600070205080204" pitchFamily="34" charset="-128"/>
-              </a:defRPr>
-            </a:lvl9pPr>
-          </a:lstStyle>
-          <a:p>
-            <a:r>
-              <a:rPr lang="en-US" altLang="en-US">
-                <a:latin typeface="Times" panose="02020603050405020304" pitchFamily="18" charset="0"/>
-              </a:rPr>
-              <a:t>Target class</a:t>
-            </a:r>
-          </a:p>
-        </p:txBody>
-      </p:sp>
-      <p:sp>
-        <p:nvSpPr>
-          <p:cNvPr id="9" name="Line 6">
-            <a:extLst>
-              <a:ext uri="{FF2B5EF4-FFF2-40B4-BE49-F238E27FC236}">
-                <a16:creationId xmlns="" xmlns:a16="http://schemas.microsoft.com/office/drawing/2014/main" id="{7F244300-1294-471D-B3B1-615E851483B4}"/>
-              </a:ext>
-            </a:extLst>
-          </p:cNvPr>
-          <p:cNvSpPr>
-            <a:spLocks noChangeShapeType="1"/>
-          </p:cNvSpPr>
-          <p:nvPr/>
-        </p:nvSpPr>
-        <p:spPr bwMode="auto">
-          <a:xfrm flipH="1">
-            <a:off x="3424084" y="3050458"/>
-            <a:ext cx="2057400" cy="0"/>
-          </a:xfrm>
-          <a:prstGeom prst="line">
-            <a:avLst/>
-          </a:prstGeom>
-          <a:noFill/>
-          <a:ln w="28575" cap="sq">
-            <a:solidFill>
-              <a:srgbClr val="FF0000"/>
-            </a:solidFill>
-            <a:round/>
-            <a:headEnd type="none" w="sm" len="sm"/>
-            <a:tailEnd type="triangle" w="sm" len="sm"/>
-          </a:ln>
-          <a:extLst>
-            <a:ext uri="{909E8E84-426E-40DD-AFC4-6F175D3DCCD1}">
-              <a14:hiddenFill xmlns="" xmlns:a14="http://schemas.microsoft.com/office/drawing/2010/main">
-                <a:noFill/>
-              </a14:hiddenFill>
-            </a:ext>
-          </a:extLst>
-        </p:spPr>
-        <p:txBody>
-          <a:bodyPr wrap="none" anchor="ctr"/>
-          <a:lstStyle/>
-          <a:p>
-            <a:endParaRPr lang="en-CA"/>
-          </a:p>
-        </p:txBody>
-      </p:sp>
-      <p:sp>
-        <p:nvSpPr>
-          <p:cNvPr id="11" name="Line 7">
-            <a:extLst>
-              <a:ext uri="{FF2B5EF4-FFF2-40B4-BE49-F238E27FC236}">
-                <a16:creationId xmlns="" xmlns:a16="http://schemas.microsoft.com/office/drawing/2014/main" id="{240A3993-D820-48A8-9914-EF06B0B6ECC7}"/>
-              </a:ext>
-            </a:extLst>
-          </p:cNvPr>
-          <p:cNvSpPr>
-            <a:spLocks noChangeShapeType="1"/>
-          </p:cNvSpPr>
-          <p:nvPr/>
-        </p:nvSpPr>
-        <p:spPr bwMode="auto">
-          <a:xfrm flipH="1">
-            <a:off x="4948084" y="3355258"/>
-            <a:ext cx="609600" cy="0"/>
-          </a:xfrm>
-          <a:prstGeom prst="line">
-            <a:avLst/>
-          </a:prstGeom>
-          <a:noFill/>
-          <a:ln w="28575" cap="sq">
-            <a:solidFill>
-              <a:srgbClr val="FF0000"/>
-            </a:solidFill>
-            <a:round/>
-            <a:headEnd type="none" w="sm" len="sm"/>
-            <a:tailEnd type="triangle" w="sm" len="sm"/>
-          </a:ln>
-          <a:extLst>
-            <a:ext uri="{909E8E84-426E-40DD-AFC4-6F175D3DCCD1}">
-              <a14:hiddenFill xmlns="" xmlns:a14="http://schemas.microsoft.com/office/drawing/2010/main">
-                <a:noFill/>
-              </a14:hiddenFill>
-            </a:ext>
-          </a:extLst>
-        </p:spPr>
-        <p:txBody>
-          <a:bodyPr wrap="none" anchor="ctr"/>
-          <a:lstStyle/>
-          <a:p>
-            <a:endParaRPr lang="en-CA"/>
-          </a:p>
-        </p:txBody>
-      </p:sp>
-      <p:sp>
-        <p:nvSpPr>
           <p:cNvPr id="13" name="Text Box 4">
             <a:extLst>
               <a:ext uri="{FF2B5EF4-FFF2-40B4-BE49-F238E27FC236}">
-                <a16:creationId xmlns="" xmlns:a16="http://schemas.microsoft.com/office/drawing/2014/main" id="{3DEDACB5-B75D-495D-BA07-5BDEC01CEB19}"/>
+                <a16:creationId xmlns:a16="http://schemas.microsoft.com/office/drawing/2014/main" xmlns="" id="{3DEDACB5-B75D-495D-BA07-5BDEC01CEB19}"/>
               </a:ext>
             </a:extLst>
           </p:cNvPr>
@@ -15082,7 +14158,7 @@
           </a:ln>
           <a:extLst>
             <a:ext uri="{909E8E84-426E-40DD-AFC4-6F175D3DCCD1}">
-              <a14:hiddenFill xmlns="" xmlns:a14="http://schemas.microsoft.com/office/drawing/2010/main">
+              <a14:hiddenFill xmlns:a14="http://schemas.microsoft.com/office/drawing/2010/main" xmlns="">
                 <a:solidFill>
                   <a:srgbClr val="FFFFFF"/>
                 </a:solidFill>
@@ -15252,7 +14328,7 @@
           <p:cNvPr id="14" name="Line 5">
             <a:extLst>
               <a:ext uri="{FF2B5EF4-FFF2-40B4-BE49-F238E27FC236}">
-                <a16:creationId xmlns="" xmlns:a16="http://schemas.microsoft.com/office/drawing/2014/main" id="{CB52FC3A-1E47-4693-9C61-DA4C3BD3A271}"/>
+                <a16:creationId xmlns:a16="http://schemas.microsoft.com/office/drawing/2014/main" xmlns="" id="{CB52FC3A-1E47-4693-9C61-DA4C3BD3A271}"/>
               </a:ext>
             </a:extLst>
           </p:cNvPr>
@@ -15280,7 +14356,7 @@
           </a:ln>
           <a:extLst>
             <a:ext uri="{909E8E84-426E-40DD-AFC4-6F175D3DCCD1}">
-              <a14:hiddenFill xmlns="" xmlns:a14="http://schemas.microsoft.com/office/drawing/2010/main">
+              <a14:hiddenFill xmlns:a14="http://schemas.microsoft.com/office/drawing/2010/main" xmlns="">
                 <a:noFill/>
               </a14:hiddenFill>
             </a:ext>
@@ -15297,7 +14373,7 @@
     </p:spTree>
     <p:extLst>
       <p:ext uri="{BB962C8B-B14F-4D97-AF65-F5344CB8AC3E}">
-        <p14:creationId xmlns="" xmlns:p14="http://schemas.microsoft.com/office/powerpoint/2010/main" val="2824103339"/>
+        <p14:creationId xmlns:p14="http://schemas.microsoft.com/office/powerpoint/2010/main" xmlns="" val="2824103339"/>
       </p:ext>
     </p:extLst>
   </p:cSld>
@@ -15971,7 +15047,7 @@
     </p:spTree>
     <p:extLst>
       <p:ext uri="{BB962C8B-B14F-4D97-AF65-F5344CB8AC3E}">
-        <p14:creationId xmlns="" xmlns:p14="http://schemas.microsoft.com/office/powerpoint/2010/main" val="51204498"/>
+        <p14:creationId xmlns:p14="http://schemas.microsoft.com/office/powerpoint/2010/main" xmlns="" val="51204498"/>
       </p:ext>
     </p:extLst>
   </p:cSld>
@@ -17374,318 +16450,10 @@
           </a:p>
         </p:txBody>
       </p:sp>
-      <p:sp>
-        <p:nvSpPr>
-          <p:cNvPr id="7" name="Line 4">
-            <a:extLst>
-              <a:ext uri="{FF2B5EF4-FFF2-40B4-BE49-F238E27FC236}">
-                <a16:creationId xmlns="" xmlns:a16="http://schemas.microsoft.com/office/drawing/2014/main" id="{BC0CF8BF-BC95-46DC-BECD-1B32617D0B4C}"/>
-              </a:ext>
-            </a:extLst>
-          </p:cNvPr>
-          <p:cNvSpPr>
-            <a:spLocks noChangeShapeType="1"/>
-          </p:cNvSpPr>
-          <p:nvPr/>
-        </p:nvSpPr>
-        <p:spPr bwMode="auto">
-          <a:xfrm flipH="1">
-            <a:off x="4567084" y="2136058"/>
-            <a:ext cx="1600200" cy="0"/>
-          </a:xfrm>
-          <a:prstGeom prst="line">
-            <a:avLst/>
-          </a:prstGeom>
-          <a:noFill/>
-          <a:ln w="28575" cap="sq">
-            <a:solidFill>
-              <a:srgbClr val="FF0000"/>
-            </a:solidFill>
-            <a:round/>
-            <a:headEnd type="none" w="sm" len="sm"/>
-            <a:tailEnd type="triangle" w="sm" len="sm"/>
-          </a:ln>
-          <a:extLst>
-            <a:ext uri="{909E8E84-426E-40DD-AFC4-6F175D3DCCD1}">
-              <a14:hiddenFill xmlns="" xmlns:a14="http://schemas.microsoft.com/office/drawing/2010/main">
-                <a:noFill/>
-              </a14:hiddenFill>
-            </a:ext>
-          </a:extLst>
-        </p:spPr>
-        <p:txBody>
-          <a:bodyPr wrap="none" anchor="ctr"/>
-          <a:lstStyle/>
-          <a:p>
-            <a:endParaRPr lang="en-CA"/>
-          </a:p>
-        </p:txBody>
-      </p:sp>
-      <p:sp>
-        <p:nvSpPr>
-          <p:cNvPr id="8" name="Text Box 5">
-            <a:extLst>
-              <a:ext uri="{FF2B5EF4-FFF2-40B4-BE49-F238E27FC236}">
-                <a16:creationId xmlns="" xmlns:a16="http://schemas.microsoft.com/office/drawing/2014/main" id="{9B0EB633-0D8A-479E-BBA2-8F7FAC3E730D}"/>
-              </a:ext>
-            </a:extLst>
-          </p:cNvPr>
-          <p:cNvSpPr txBox="1">
-            <a:spLocks noChangeArrowheads="1"/>
-          </p:cNvSpPr>
-          <p:nvPr/>
-        </p:nvSpPr>
-        <p:spPr bwMode="auto">
-          <a:xfrm>
-            <a:off x="6167284" y="1907458"/>
-            <a:ext cx="1647825" cy="457200"/>
-          </a:xfrm>
-          <a:prstGeom prst="rect">
-            <a:avLst/>
-          </a:prstGeom>
-          <a:noFill/>
-          <a:ln>
-            <a:noFill/>
-          </a:ln>
-          <a:extLst>
-            <a:ext uri="{909E8E84-426E-40DD-AFC4-6F175D3DCCD1}">
-              <a14:hiddenFill xmlns="" xmlns:a14="http://schemas.microsoft.com/office/drawing/2010/main">
-                <a:solidFill>
-                  <a:srgbClr val="FFFFFF"/>
-                </a:solidFill>
-              </a14:hiddenFill>
-            </a:ext>
-            <a:ext uri="{91240B29-F687-4F45-9708-019B960494DF}">
-              <a14:hiddenLine xmlns="" xmlns:a14="http://schemas.microsoft.com/office/drawing/2010/main" w="12700" cap="sq">
-                <a:solidFill>
-                  <a:srgbClr val="000000"/>
-                </a:solidFill>
-                <a:miter lim="800000"/>
-                <a:headEnd type="none" w="sm" len="sm"/>
-                <a:tailEnd type="none" w="sm" len="sm"/>
-              </a14:hiddenLine>
-            </a:ext>
-          </a:extLst>
-        </p:spPr>
-        <p:txBody>
-          <a:bodyPr wrap="none">
-            <a:spAutoFit/>
-          </a:bodyPr>
-          <a:lstStyle>
-            <a:lvl1pPr>
-              <a:defRPr sz="2400">
-                <a:solidFill>
-                  <a:schemeClr val="tx1"/>
-                </a:solidFill>
-                <a:latin typeface="Times New Roman" panose="02020603050405020304" pitchFamily="18" charset="0"/>
-                <a:ea typeface="ＭＳ Ｐゴシック" panose="020B0600070205080204" pitchFamily="34" charset="-128"/>
-              </a:defRPr>
-            </a:lvl1pPr>
-            <a:lvl2pPr marL="37931725" indent="-37474525">
-              <a:defRPr sz="2400">
-                <a:solidFill>
-                  <a:schemeClr val="tx1"/>
-                </a:solidFill>
-                <a:latin typeface="Times New Roman" panose="02020603050405020304" pitchFamily="18" charset="0"/>
-                <a:ea typeface="ＭＳ Ｐゴシック" panose="020B0600070205080204" pitchFamily="34" charset="-128"/>
-              </a:defRPr>
-            </a:lvl2pPr>
-            <a:lvl3pPr>
-              <a:defRPr sz="2400">
-                <a:solidFill>
-                  <a:schemeClr val="tx1"/>
-                </a:solidFill>
-                <a:latin typeface="Times New Roman" panose="02020603050405020304" pitchFamily="18" charset="0"/>
-                <a:ea typeface="ＭＳ Ｐゴシック" panose="020B0600070205080204" pitchFamily="34" charset="-128"/>
-              </a:defRPr>
-            </a:lvl3pPr>
-            <a:lvl4pPr>
-              <a:defRPr sz="2400">
-                <a:solidFill>
-                  <a:schemeClr val="tx1"/>
-                </a:solidFill>
-                <a:latin typeface="Times New Roman" panose="02020603050405020304" pitchFamily="18" charset="0"/>
-                <a:ea typeface="ＭＳ Ｐゴシック" panose="020B0600070205080204" pitchFamily="34" charset="-128"/>
-              </a:defRPr>
-            </a:lvl4pPr>
-            <a:lvl5pPr>
-              <a:defRPr sz="2400">
-                <a:solidFill>
-                  <a:schemeClr val="tx1"/>
-                </a:solidFill>
-                <a:latin typeface="Times New Roman" panose="02020603050405020304" pitchFamily="18" charset="0"/>
-                <a:ea typeface="ＭＳ Ｐゴシック" panose="020B0600070205080204" pitchFamily="34" charset="-128"/>
-              </a:defRPr>
-            </a:lvl5pPr>
-            <a:lvl6pPr marL="457200" eaLnBrk="0" fontAlgn="base" hangingPunct="0">
-              <a:spcBef>
-                <a:spcPct val="0"/>
-              </a:spcBef>
-              <a:spcAft>
-                <a:spcPct val="0"/>
-              </a:spcAft>
-              <a:defRPr sz="2400">
-                <a:solidFill>
-                  <a:schemeClr val="tx1"/>
-                </a:solidFill>
-                <a:latin typeface="Times New Roman" panose="02020603050405020304" pitchFamily="18" charset="0"/>
-                <a:ea typeface="ＭＳ Ｐゴシック" panose="020B0600070205080204" pitchFamily="34" charset="-128"/>
-              </a:defRPr>
-            </a:lvl6pPr>
-            <a:lvl7pPr marL="914400" eaLnBrk="0" fontAlgn="base" hangingPunct="0">
-              <a:spcBef>
-                <a:spcPct val="0"/>
-              </a:spcBef>
-              <a:spcAft>
-                <a:spcPct val="0"/>
-              </a:spcAft>
-              <a:defRPr sz="2400">
-                <a:solidFill>
-                  <a:schemeClr val="tx1"/>
-                </a:solidFill>
-                <a:latin typeface="Times New Roman" panose="02020603050405020304" pitchFamily="18" charset="0"/>
-                <a:ea typeface="ＭＳ Ｐゴシック" panose="020B0600070205080204" pitchFamily="34" charset="-128"/>
-              </a:defRPr>
-            </a:lvl7pPr>
-            <a:lvl8pPr marL="1371600" eaLnBrk="0" fontAlgn="base" hangingPunct="0">
-              <a:spcBef>
-                <a:spcPct val="0"/>
-              </a:spcBef>
-              <a:spcAft>
-                <a:spcPct val="0"/>
-              </a:spcAft>
-              <a:defRPr sz="2400">
-                <a:solidFill>
-                  <a:schemeClr val="tx1"/>
-                </a:solidFill>
-                <a:latin typeface="Times New Roman" panose="02020603050405020304" pitchFamily="18" charset="0"/>
-                <a:ea typeface="ＭＳ Ｐゴシック" panose="020B0600070205080204" pitchFamily="34" charset="-128"/>
-              </a:defRPr>
-            </a:lvl8pPr>
-            <a:lvl9pPr marL="1828800" eaLnBrk="0" fontAlgn="base" hangingPunct="0">
-              <a:spcBef>
-                <a:spcPct val="0"/>
-              </a:spcBef>
-              <a:spcAft>
-                <a:spcPct val="0"/>
-              </a:spcAft>
-              <a:defRPr sz="2400">
-                <a:solidFill>
-                  <a:schemeClr val="tx1"/>
-                </a:solidFill>
-                <a:latin typeface="Times New Roman" panose="02020603050405020304" pitchFamily="18" charset="0"/>
-                <a:ea typeface="ＭＳ Ｐゴシック" panose="020B0600070205080204" pitchFamily="34" charset="-128"/>
-              </a:defRPr>
-            </a:lvl9pPr>
-          </a:lstStyle>
-          <a:p>
-            <a:r>
-              <a:rPr lang="en-US" altLang="en-US">
-                <a:latin typeface="Times" panose="02020603050405020304" pitchFamily="18" charset="0"/>
-              </a:rPr>
-              <a:t>Target class</a:t>
-            </a:r>
-          </a:p>
-        </p:txBody>
-      </p:sp>
-      <p:sp>
-        <p:nvSpPr>
-          <p:cNvPr id="9" name="Line 6">
-            <a:extLst>
-              <a:ext uri="{FF2B5EF4-FFF2-40B4-BE49-F238E27FC236}">
-                <a16:creationId xmlns="" xmlns:a16="http://schemas.microsoft.com/office/drawing/2014/main" id="{7F244300-1294-471D-B3B1-615E851483B4}"/>
-              </a:ext>
-            </a:extLst>
-          </p:cNvPr>
-          <p:cNvSpPr>
-            <a:spLocks noChangeShapeType="1"/>
-          </p:cNvSpPr>
-          <p:nvPr/>
-        </p:nvSpPr>
-        <p:spPr bwMode="auto">
-          <a:xfrm flipH="1">
-            <a:off x="3424084" y="3050458"/>
-            <a:ext cx="2057400" cy="0"/>
-          </a:xfrm>
-          <a:prstGeom prst="line">
-            <a:avLst/>
-          </a:prstGeom>
-          <a:noFill/>
-          <a:ln w="28575" cap="sq">
-            <a:solidFill>
-              <a:srgbClr val="FF0000"/>
-            </a:solidFill>
-            <a:round/>
-            <a:headEnd type="none" w="sm" len="sm"/>
-            <a:tailEnd type="triangle" w="sm" len="sm"/>
-          </a:ln>
-          <a:extLst>
-            <a:ext uri="{909E8E84-426E-40DD-AFC4-6F175D3DCCD1}">
-              <a14:hiddenFill xmlns="" xmlns:a14="http://schemas.microsoft.com/office/drawing/2010/main">
-                <a:noFill/>
-              </a14:hiddenFill>
-            </a:ext>
-          </a:extLst>
-        </p:spPr>
-        <p:txBody>
-          <a:bodyPr wrap="none" anchor="ctr"/>
-          <a:lstStyle/>
-          <a:p>
-            <a:endParaRPr lang="en-CA"/>
-          </a:p>
-        </p:txBody>
-      </p:sp>
-      <p:sp>
-        <p:nvSpPr>
-          <p:cNvPr id="11" name="Line 7">
-            <a:extLst>
-              <a:ext uri="{FF2B5EF4-FFF2-40B4-BE49-F238E27FC236}">
-                <a16:creationId xmlns="" xmlns:a16="http://schemas.microsoft.com/office/drawing/2014/main" id="{240A3993-D820-48A8-9914-EF06B0B6ECC7}"/>
-              </a:ext>
-            </a:extLst>
-          </p:cNvPr>
-          <p:cNvSpPr>
-            <a:spLocks noChangeShapeType="1"/>
-          </p:cNvSpPr>
-          <p:nvPr/>
-        </p:nvSpPr>
-        <p:spPr bwMode="auto">
-          <a:xfrm flipH="1">
-            <a:off x="4948084" y="3355258"/>
-            <a:ext cx="609600" cy="0"/>
-          </a:xfrm>
-          <a:prstGeom prst="line">
-            <a:avLst/>
-          </a:prstGeom>
-          <a:noFill/>
-          <a:ln w="28575" cap="sq">
-            <a:solidFill>
-              <a:srgbClr val="FF0000"/>
-            </a:solidFill>
-            <a:round/>
-            <a:headEnd type="none" w="sm" len="sm"/>
-            <a:tailEnd type="triangle" w="sm" len="sm"/>
-          </a:ln>
-          <a:extLst>
-            <a:ext uri="{909E8E84-426E-40DD-AFC4-6F175D3DCCD1}">
-              <a14:hiddenFill xmlns="" xmlns:a14="http://schemas.microsoft.com/office/drawing/2010/main">
-                <a:noFill/>
-              </a14:hiddenFill>
-            </a:ext>
-          </a:extLst>
-        </p:spPr>
-        <p:txBody>
-          <a:bodyPr wrap="none" anchor="ctr"/>
-          <a:lstStyle/>
-          <a:p>
-            <a:endParaRPr lang="en-CA"/>
-          </a:p>
-        </p:txBody>
-      </p:sp>
     </p:spTree>
     <p:extLst>
       <p:ext uri="{BB962C8B-B14F-4D97-AF65-F5344CB8AC3E}">
-        <p14:creationId xmlns="" xmlns:p14="http://schemas.microsoft.com/office/powerpoint/2010/main" val="1818621087"/>
+        <p14:creationId xmlns:p14="http://schemas.microsoft.com/office/powerpoint/2010/main" xmlns="" val="1818621087"/>
       </p:ext>
     </p:extLst>
   </p:cSld>
@@ -17788,7 +16556,7 @@
           <p:cNvPr id="5" name="Content Placeholder 4">
             <a:extLst>
               <a:ext uri="{FF2B5EF4-FFF2-40B4-BE49-F238E27FC236}">
-                <a16:creationId xmlns="" xmlns:a16="http://schemas.microsoft.com/office/drawing/2014/main" id="{44FFF9F3-57A7-4D93-BE9C-521D6B9AFB84}"/>
+                <a16:creationId xmlns:a16="http://schemas.microsoft.com/office/drawing/2014/main" xmlns="" id="{44FFF9F3-57A7-4D93-BE9C-521D6B9AFB84}"/>
               </a:ext>
             </a:extLst>
           </p:cNvPr>
@@ -17819,7 +16587,7 @@
           <p:cNvPr id="9" name="Picture 6">
             <a:extLst>
               <a:ext uri="{FF2B5EF4-FFF2-40B4-BE49-F238E27FC236}">
-                <a16:creationId xmlns="" xmlns:a16="http://schemas.microsoft.com/office/drawing/2014/main" id="{E3249ABB-61E0-4807-8C41-D09B17F4197F}"/>
+                <a16:creationId xmlns:a16="http://schemas.microsoft.com/office/drawing/2014/main" xmlns="" id="{E3249ABB-61E0-4807-8C41-D09B17F4197F}"/>
               </a:ext>
             </a:extLst>
           </p:cNvPr>
@@ -17832,7 +16600,7 @@
           <a:blip r:embed="rId2">
             <a:extLst>
               <a:ext uri="{28A0092B-C50C-407E-A947-70E740481C1C}">
-                <a14:useLocalDpi xmlns="" xmlns:a14="http://schemas.microsoft.com/office/drawing/2010/main" val="0"/>
+                <a14:useLocalDpi xmlns:a14="http://schemas.microsoft.com/office/drawing/2010/main" xmlns="" val="0"/>
               </a:ext>
             </a:extLst>
           </a:blip>
@@ -17855,14 +16623,14 @@
           </a:ln>
           <a:extLst>
             <a:ext uri="{909E8E84-426E-40DD-AFC4-6F175D3DCCD1}">
-              <a14:hiddenFill xmlns="" xmlns:a14="http://schemas.microsoft.com/office/drawing/2010/main">
+              <a14:hiddenFill xmlns:a14="http://schemas.microsoft.com/office/drawing/2010/main" xmlns="">
                 <a:solidFill>
                   <a:srgbClr val="FFFFFF"/>
                 </a:solidFill>
               </a14:hiddenFill>
             </a:ext>
             <a:ext uri="{91240B29-F687-4F45-9708-019B960494DF}">
-              <a14:hiddenLine xmlns="" xmlns:a14="http://schemas.microsoft.com/office/drawing/2010/main" w="9525">
+              <a14:hiddenLine xmlns:a14="http://schemas.microsoft.com/office/drawing/2010/main" xmlns="" w="9525">
                 <a:solidFill>
                   <a:srgbClr val="000000"/>
                 </a:solidFill>
@@ -17879,7 +16647,7 @@
           <p:cNvPr id="11" name="Picture 7">
             <a:extLst>
               <a:ext uri="{FF2B5EF4-FFF2-40B4-BE49-F238E27FC236}">
-                <a16:creationId xmlns="" xmlns:a16="http://schemas.microsoft.com/office/drawing/2014/main" id="{88FA1635-084F-4095-A67E-53132945609D}"/>
+                <a16:creationId xmlns:a16="http://schemas.microsoft.com/office/drawing/2014/main" xmlns="" id="{88FA1635-084F-4095-A67E-53132945609D}"/>
               </a:ext>
             </a:extLst>
           </p:cNvPr>
@@ -17892,7 +16660,7 @@
           <a:blip r:embed="rId3">
             <a:extLst>
               <a:ext uri="{28A0092B-C50C-407E-A947-70E740481C1C}">
-                <a14:useLocalDpi xmlns="" xmlns:a14="http://schemas.microsoft.com/office/drawing/2010/main" val="0"/>
+                <a14:useLocalDpi xmlns:a14="http://schemas.microsoft.com/office/drawing/2010/main" xmlns="" val="0"/>
               </a:ext>
             </a:extLst>
           </a:blip>
@@ -17915,14 +16683,14 @@
           </a:ln>
           <a:extLst>
             <a:ext uri="{909E8E84-426E-40DD-AFC4-6F175D3DCCD1}">
-              <a14:hiddenFill xmlns="" xmlns:a14="http://schemas.microsoft.com/office/drawing/2010/main">
+              <a14:hiddenFill xmlns:a14="http://schemas.microsoft.com/office/drawing/2010/main" xmlns="">
                 <a:solidFill>
                   <a:srgbClr val="FFFFFF"/>
                 </a:solidFill>
               </a14:hiddenFill>
             </a:ext>
             <a:ext uri="{91240B29-F687-4F45-9708-019B960494DF}">
-              <a14:hiddenLine xmlns="" xmlns:a14="http://schemas.microsoft.com/office/drawing/2010/main" w="9525">
+              <a14:hiddenLine xmlns:a14="http://schemas.microsoft.com/office/drawing/2010/main" xmlns="" w="9525">
                 <a:solidFill>
                   <a:srgbClr val="000000"/>
                 </a:solidFill>
@@ -17939,7 +16707,7 @@
           <p:cNvPr id="13" name="Picture 8">
             <a:extLst>
               <a:ext uri="{FF2B5EF4-FFF2-40B4-BE49-F238E27FC236}">
-                <a16:creationId xmlns="" xmlns:a16="http://schemas.microsoft.com/office/drawing/2014/main" id="{679A19B8-CBAF-431A-B441-AE4CBF47E7CC}"/>
+                <a16:creationId xmlns:a16="http://schemas.microsoft.com/office/drawing/2014/main" xmlns="" id="{679A19B8-CBAF-431A-B441-AE4CBF47E7CC}"/>
               </a:ext>
             </a:extLst>
           </p:cNvPr>
@@ -17952,7 +16720,7 @@
           <a:blip r:embed="rId4" cstate="print">
             <a:extLst>
               <a:ext uri="{28A0092B-C50C-407E-A947-70E740481C1C}">
-                <a14:useLocalDpi xmlns="" xmlns:a14="http://schemas.microsoft.com/office/drawing/2010/main" val="0"/>
+                <a14:useLocalDpi xmlns:a14="http://schemas.microsoft.com/office/drawing/2010/main" xmlns="" val="0"/>
               </a:ext>
             </a:extLst>
           </a:blip>
@@ -17975,14 +16743,14 @@
           </a:ln>
           <a:extLst>
             <a:ext uri="{909E8E84-426E-40DD-AFC4-6F175D3DCCD1}">
-              <a14:hiddenFill xmlns="" xmlns:a14="http://schemas.microsoft.com/office/drawing/2010/main">
+              <a14:hiddenFill xmlns:a14="http://schemas.microsoft.com/office/drawing/2010/main" xmlns="">
                 <a:solidFill>
                   <a:srgbClr val="FFFFFF"/>
                 </a:solidFill>
               </a14:hiddenFill>
             </a:ext>
             <a:ext uri="{91240B29-F687-4F45-9708-019B960494DF}">
-              <a14:hiddenLine xmlns="" xmlns:a14="http://schemas.microsoft.com/office/drawing/2010/main" w="9525">
+              <a14:hiddenLine xmlns:a14="http://schemas.microsoft.com/office/drawing/2010/main" xmlns="" w="9525">
                 <a:solidFill>
                   <a:srgbClr val="000000"/>
                 </a:solidFill>
@@ -17997,7 +16765,7 @@
     </p:spTree>
     <p:extLst>
       <p:ext uri="{BB962C8B-B14F-4D97-AF65-F5344CB8AC3E}">
-        <p14:creationId xmlns="" xmlns:p14="http://schemas.microsoft.com/office/powerpoint/2010/main" val="1054708928"/>
+        <p14:creationId xmlns:p14="http://schemas.microsoft.com/office/powerpoint/2010/main" xmlns="" val="1054708928"/>
       </p:ext>
     </p:extLst>
   </p:cSld>
@@ -18403,7 +17171,7 @@
           <p:cNvPr id="5" name="Content Placeholder 4">
             <a:extLst>
               <a:ext uri="{FF2B5EF4-FFF2-40B4-BE49-F238E27FC236}">
-                <a16:creationId xmlns="" xmlns:a16="http://schemas.microsoft.com/office/drawing/2014/main" id="{44FFF9F3-57A7-4D93-BE9C-521D6B9AFB84}"/>
+                <a16:creationId xmlns:a16="http://schemas.microsoft.com/office/drawing/2014/main" xmlns="" id="{44FFF9F3-57A7-4D93-BE9C-521D6B9AFB84}"/>
               </a:ext>
             </a:extLst>
           </p:cNvPr>
@@ -18434,7 +17202,7 @@
           <p:cNvPr id="18" name="Picture 6">
             <a:extLst>
               <a:ext uri="{FF2B5EF4-FFF2-40B4-BE49-F238E27FC236}">
-                <a16:creationId xmlns="" xmlns:a16="http://schemas.microsoft.com/office/drawing/2014/main" id="{1BB404CF-6BC7-45C5-B908-5EB43A769214}"/>
+                <a16:creationId xmlns:a16="http://schemas.microsoft.com/office/drawing/2014/main" xmlns="" id="{1BB404CF-6BC7-45C5-B908-5EB43A769214}"/>
               </a:ext>
             </a:extLst>
           </p:cNvPr>
@@ -18447,7 +17215,7 @@
           <a:blip r:embed="rId2">
             <a:extLst>
               <a:ext uri="{28A0092B-C50C-407E-A947-70E740481C1C}">
-                <a14:useLocalDpi xmlns="" xmlns:a14="http://schemas.microsoft.com/office/drawing/2010/main" val="0"/>
+                <a14:useLocalDpi xmlns:a14="http://schemas.microsoft.com/office/drawing/2010/main" xmlns="" val="0"/>
               </a:ext>
             </a:extLst>
           </a:blip>
@@ -18470,14 +17238,14 @@
           </a:ln>
           <a:extLst>
             <a:ext uri="{909E8E84-426E-40DD-AFC4-6F175D3DCCD1}">
-              <a14:hiddenFill xmlns="" xmlns:a14="http://schemas.microsoft.com/office/drawing/2010/main">
+              <a14:hiddenFill xmlns:a14="http://schemas.microsoft.com/office/drawing/2010/main" xmlns="">
                 <a:solidFill>
                   <a:srgbClr val="FFFFFF"/>
                 </a:solidFill>
               </a14:hiddenFill>
             </a:ext>
             <a:ext uri="{91240B29-F687-4F45-9708-019B960494DF}">
-              <a14:hiddenLine xmlns="" xmlns:a14="http://schemas.microsoft.com/office/drawing/2010/main" w="9525">
+              <a14:hiddenLine xmlns:a14="http://schemas.microsoft.com/office/drawing/2010/main" xmlns="" w="9525">
                 <a:solidFill>
                   <a:srgbClr val="000000"/>
                 </a:solidFill>
@@ -18494,7 +17262,7 @@
           <p:cNvPr id="19" name="Rectangle 7">
             <a:extLst>
               <a:ext uri="{FF2B5EF4-FFF2-40B4-BE49-F238E27FC236}">
-                <a16:creationId xmlns="" xmlns:a16="http://schemas.microsoft.com/office/drawing/2014/main" id="{B01FD563-EE48-429A-AF4E-5853DB832DCB}"/>
+                <a16:creationId xmlns:a16="http://schemas.microsoft.com/office/drawing/2014/main" xmlns="" id="{B01FD563-EE48-429A-AF4E-5853DB832DCB}"/>
               </a:ext>
             </a:extLst>
           </p:cNvPr>
@@ -18674,7 +17442,7 @@
           <p:cNvPr id="20" name="Rectangle 8">
             <a:extLst>
               <a:ext uri="{FF2B5EF4-FFF2-40B4-BE49-F238E27FC236}">
-                <a16:creationId xmlns="" xmlns:a16="http://schemas.microsoft.com/office/drawing/2014/main" id="{2165C823-4C95-46A3-B013-E97B17577DA3}"/>
+                <a16:creationId xmlns:a16="http://schemas.microsoft.com/office/drawing/2014/main" xmlns="" id="{2165C823-4C95-46A3-B013-E97B17577DA3}"/>
               </a:ext>
             </a:extLst>
           </p:cNvPr>
@@ -18854,7 +17622,7 @@
           <p:cNvPr id="21" name="Rectangle 9">
             <a:extLst>
               <a:ext uri="{FF2B5EF4-FFF2-40B4-BE49-F238E27FC236}">
-                <a16:creationId xmlns="" xmlns:a16="http://schemas.microsoft.com/office/drawing/2014/main" id="{FE9F184D-1B56-479F-B248-C6F25DA7FF99}"/>
+                <a16:creationId xmlns:a16="http://schemas.microsoft.com/office/drawing/2014/main" xmlns="" id="{FE9F184D-1B56-479F-B248-C6F25DA7FF99}"/>
               </a:ext>
             </a:extLst>
           </p:cNvPr>
@@ -19032,7 +17800,7 @@
     </p:spTree>
     <p:extLst>
       <p:ext uri="{BB962C8B-B14F-4D97-AF65-F5344CB8AC3E}">
-        <p14:creationId xmlns="" xmlns:p14="http://schemas.microsoft.com/office/powerpoint/2010/main" val="2484178016"/>
+        <p14:creationId xmlns:p14="http://schemas.microsoft.com/office/powerpoint/2010/main" xmlns="" val="2484178016"/>
       </p:ext>
     </p:extLst>
   </p:cSld>
@@ -19895,7 +18663,7 @@
           <p:cNvPr id="7" name="Rectangle 4">
             <a:extLst>
               <a:ext uri="{FF2B5EF4-FFF2-40B4-BE49-F238E27FC236}">
-                <a16:creationId xmlns="" xmlns:a16="http://schemas.microsoft.com/office/drawing/2014/main" id="{6271D9FE-13B6-4EA6-A583-85FA8BD5D397}"/>
+                <a16:creationId xmlns:a16="http://schemas.microsoft.com/office/drawing/2014/main" xmlns="" id="{6271D9FE-13B6-4EA6-A583-85FA8BD5D397}"/>
               </a:ext>
             </a:extLst>
           </p:cNvPr>
@@ -19923,7 +18691,7 @@
           </a:ln>
           <a:extLst>
             <a:ext uri="{909E8E84-426E-40DD-AFC4-6F175D3DCCD1}">
-              <a14:hiddenFill xmlns="" xmlns:a14="http://schemas.microsoft.com/office/drawing/2010/main">
+              <a14:hiddenFill xmlns:a14="http://schemas.microsoft.com/office/drawing/2010/main" xmlns="">
                 <a:solidFill>
                   <a:srgbClr val="FFFFFF"/>
                 </a:solidFill>
@@ -20228,7 +18996,7 @@
     </p:spTree>
     <p:extLst>
       <p:ext uri="{BB962C8B-B14F-4D97-AF65-F5344CB8AC3E}">
-        <p14:creationId xmlns="" xmlns:p14="http://schemas.microsoft.com/office/powerpoint/2010/main" val="344057035"/>
+        <p14:creationId xmlns:p14="http://schemas.microsoft.com/office/powerpoint/2010/main" xmlns="" val="344057035"/>
       </p:ext>
     </p:extLst>
   </p:cSld>
@@ -20675,7 +19443,7 @@
     </p:spTree>
     <p:extLst>
       <p:ext uri="{BB962C8B-B14F-4D97-AF65-F5344CB8AC3E}">
-        <p14:creationId xmlns="" xmlns:p14="http://schemas.microsoft.com/office/powerpoint/2010/main" val="3580866544"/>
+        <p14:creationId xmlns:p14="http://schemas.microsoft.com/office/powerpoint/2010/main" xmlns="" val="3580866544"/>
       </p:ext>
     </p:extLst>
   </p:cSld>
@@ -21094,7 +19862,7 @@
     </p:spTree>
     <p:extLst>
       <p:ext uri="{BB962C8B-B14F-4D97-AF65-F5344CB8AC3E}">
-        <p14:creationId xmlns="" xmlns:p14="http://schemas.microsoft.com/office/powerpoint/2010/main" val="2920876042"/>
+        <p14:creationId xmlns:p14="http://schemas.microsoft.com/office/powerpoint/2010/main" xmlns="" val="2920876042"/>
       </p:ext>
     </p:extLst>
   </p:cSld>
@@ -21259,7 +20027,7 @@
           <p:cNvPr id="7" name="Picture 4">
             <a:extLst>
               <a:ext uri="{FF2B5EF4-FFF2-40B4-BE49-F238E27FC236}">
-                <a16:creationId xmlns="" xmlns:a16="http://schemas.microsoft.com/office/drawing/2014/main" id="{D952D407-3827-4273-94AA-E4D74E054634}"/>
+                <a16:creationId xmlns:a16="http://schemas.microsoft.com/office/drawing/2014/main" xmlns="" id="{D952D407-3827-4273-94AA-E4D74E054634}"/>
               </a:ext>
             </a:extLst>
           </p:cNvPr>
@@ -21272,7 +20040,7 @@
           <a:blip r:embed="rId2">
             <a:extLst>
               <a:ext uri="{28A0092B-C50C-407E-A947-70E740481C1C}">
-                <a14:useLocalDpi xmlns="" xmlns:a14="http://schemas.microsoft.com/office/drawing/2010/main" val="0"/>
+                <a14:useLocalDpi xmlns:a14="http://schemas.microsoft.com/office/drawing/2010/main" xmlns="" val="0"/>
               </a:ext>
             </a:extLst>
           </a:blip>
@@ -21295,7 +20063,7 @@
     </p:spTree>
     <p:extLst>
       <p:ext uri="{BB962C8B-B14F-4D97-AF65-F5344CB8AC3E}">
-        <p14:creationId xmlns="" xmlns:p14="http://schemas.microsoft.com/office/powerpoint/2010/main" val="2257842500"/>
+        <p14:creationId xmlns:p14="http://schemas.microsoft.com/office/powerpoint/2010/main" xmlns="" val="2257842500"/>
       </p:ext>
     </p:extLst>
   </p:cSld>
@@ -21975,7 +20743,7 @@
     </p:spTree>
     <p:extLst>
       <p:ext uri="{BB962C8B-B14F-4D97-AF65-F5344CB8AC3E}">
-        <p14:creationId xmlns="" xmlns:p14="http://schemas.microsoft.com/office/powerpoint/2010/main" val="3838176282"/>
+        <p14:creationId xmlns:p14="http://schemas.microsoft.com/office/powerpoint/2010/main" xmlns="" val="3838176282"/>
       </p:ext>
     </p:extLst>
   </p:cSld>
@@ -22274,7 +21042,7 @@
   <a:extraClrSchemeLst/>
   <a:extLst>
     <a:ext uri="{05A4C25C-085E-4340-85A3-A5531E510DB2}">
-      <thm15:themeFamily xmlns="" xmlns:thm15="http://schemas.microsoft.com/office/thememl/2012/main" name="eye_tracker_presentation" id="{00ED1D97-A04B-46A0-BB71-88655A6B057F}" vid="{F36189FA-3966-4852-951E-5734674D1C7B}"/>
+      <thm15:themeFamily xmlns:thm15="http://schemas.microsoft.com/office/thememl/2012/main" xmlns="" name="eye_tracker_presentation" id="{00ED1D97-A04B-46A0-BB71-88655A6B057F}" vid="{F36189FA-3966-4852-951E-5734674D1C7B}"/>
     </a:ext>
   </a:extLst>
 </a:theme>
@@ -22569,7 +21337,7 @@
   <a:extraClrSchemeLst/>
   <a:extLst>
     <a:ext uri="{05A4C25C-085E-4340-85A3-A5531E510DB2}">
-      <thm15:themeFamily xmlns="" xmlns:thm15="http://schemas.microsoft.com/office/thememl/2012/main" name="Office Theme" id="{62F939B6-93AF-4DB8-9C6B-D6C7DFDC589F}" vid="{4A3C46E8-61CC-4603-A589-7422A47A8E4A}"/>
+      <thm15:themeFamily xmlns:thm15="http://schemas.microsoft.com/office/thememl/2012/main" xmlns="" name="Office Theme" id="{62F939B6-93AF-4DB8-9C6B-D6C7DFDC589F}" vid="{4A3C46E8-61CC-4603-A589-7422A47A8E4A}"/>
     </a:ext>
   </a:extLst>
 </a:theme>
